--- a/help/data-sheets/assets/DMeBusinessSupportDatasheet_2022.pptx
+++ b/help/data-sheets/assets/DMeBusinessSupportDatasheet_2022.pptx
@@ -270,6 +270,30 @@
     </pc:docChg>
   </pc:docChgLst>
   <pc:docChgLst>
+    <pc:chgData name="Jaclyn Zalesky" userId="S::zalesky@adobe.com::9c0b24b4-6ad7-45a7-a9a0-5ba404afed22" providerId="AD" clId="Web-{230F0D56-C414-F2B7-15F9-451AF6576368}"/>
+    <pc:docChg chg="mod modSld">
+      <pc:chgData name="Jaclyn Zalesky" userId="S::zalesky@adobe.com::9c0b24b4-6ad7-45a7-a9a0-5ba404afed22" providerId="AD" clId="Web-{230F0D56-C414-F2B7-15F9-451AF6576368}" dt="2022-02-10T15:57:01.008" v="107"/>
+      <pc:docMkLst>
+        <pc:docMk/>
+      </pc:docMkLst>
+      <pc:sldChg chg="modSp modCm">
+        <pc:chgData name="Jaclyn Zalesky" userId="S::zalesky@adobe.com::9c0b24b4-6ad7-45a7-a9a0-5ba404afed22" providerId="AD" clId="Web-{230F0D56-C414-F2B7-15F9-451AF6576368}" dt="2022-02-10T15:57:01.008" v="107"/>
+        <pc:sldMkLst>
+          <pc:docMk/>
+          <pc:sldMk cId="1050037809" sldId="261"/>
+        </pc:sldMkLst>
+        <pc:graphicFrameChg chg="mod modGraphic">
+          <ac:chgData name="Jaclyn Zalesky" userId="S::zalesky@adobe.com::9c0b24b4-6ad7-45a7-a9a0-5ba404afed22" providerId="AD" clId="Web-{230F0D56-C414-F2B7-15F9-451AF6576368}" dt="2022-02-10T15:56:55.836" v="105"/>
+          <ac:graphicFrameMkLst>
+            <pc:docMk/>
+            <pc:sldMk cId="1050037809" sldId="261"/>
+            <ac:graphicFrameMk id="21" creationId="{776EB197-58B6-794D-94F8-90888006EC22}"/>
+          </ac:graphicFrameMkLst>
+        </pc:graphicFrameChg>
+      </pc:sldChg>
+    </pc:docChg>
+  </pc:docChgLst>
+  <pc:docChgLst>
     <pc:chgData name="Jaclyn Zalesky" userId="S::zalesky@adobe.com::9c0b24b4-6ad7-45a7-a9a0-5ba404afed22" providerId="AD" clId="Web-{C9A7A18E-2CD6-D60F-0EAE-ADB272FCFFDF}"/>
     <pc:docChg chg="modSld">
       <pc:chgData name="Jaclyn Zalesky" userId="S::zalesky@adobe.com::9c0b24b4-6ad7-45a7-a9a0-5ba404afed22" providerId="AD" clId="Web-{C9A7A18E-2CD6-D60F-0EAE-ADB272FCFFDF}" dt="2022-03-04T01:00:42.113" v="1"/>
@@ -288,30 +312,6 @@
             <pc:docMk/>
             <pc:sldMk cId="0" sldId="256"/>
             <ac:graphicFrameMk id="11" creationId="{3AC7AEA2-E7A4-BD48-80EA-856168E207F6}"/>
-          </ac:graphicFrameMkLst>
-        </pc:graphicFrameChg>
-      </pc:sldChg>
-    </pc:docChg>
-  </pc:docChgLst>
-  <pc:docChgLst>
-    <pc:chgData name="Jaclyn Zalesky" userId="S::zalesky@adobe.com::9c0b24b4-6ad7-45a7-a9a0-5ba404afed22" providerId="AD" clId="Web-{230F0D56-C414-F2B7-15F9-451AF6576368}"/>
-    <pc:docChg chg="mod modSld">
-      <pc:chgData name="Jaclyn Zalesky" userId="S::zalesky@adobe.com::9c0b24b4-6ad7-45a7-a9a0-5ba404afed22" providerId="AD" clId="Web-{230F0D56-C414-F2B7-15F9-451AF6576368}" dt="2022-02-10T15:57:01.008" v="107"/>
-      <pc:docMkLst>
-        <pc:docMk/>
-      </pc:docMkLst>
-      <pc:sldChg chg="modSp modCm">
-        <pc:chgData name="Jaclyn Zalesky" userId="S::zalesky@adobe.com::9c0b24b4-6ad7-45a7-a9a0-5ba404afed22" providerId="AD" clId="Web-{230F0D56-C414-F2B7-15F9-451AF6576368}" dt="2022-02-10T15:57:01.008" v="107"/>
-        <pc:sldMkLst>
-          <pc:docMk/>
-          <pc:sldMk cId="1050037809" sldId="261"/>
-        </pc:sldMkLst>
-        <pc:graphicFrameChg chg="mod modGraphic">
-          <ac:chgData name="Jaclyn Zalesky" userId="S::zalesky@adobe.com::9c0b24b4-6ad7-45a7-a9a0-5ba404afed22" providerId="AD" clId="Web-{230F0D56-C414-F2B7-15F9-451AF6576368}" dt="2022-02-10T15:56:55.836" v="105"/>
-          <ac:graphicFrameMkLst>
-            <pc:docMk/>
-            <pc:sldMk cId="1050037809" sldId="261"/>
-            <ac:graphicFrameMk id="21" creationId="{776EB197-58B6-794D-94F8-90888006EC22}"/>
           </ac:graphicFrameMkLst>
         </pc:graphicFrameChg>
       </pc:sldChg>
@@ -549,7 +549,7 @@
           <a:p>
             <a:fld id="{FB81873C-0B24-F04A-98A1-90E0A78F7E8A}" type="datetimeFigureOut">
               <a:rPr lang="en-US" smtClean="0"/>
-              <a:t>3/3/2022</a:t>
+              <a:t>3/24/22</a:t>
             </a:fld>
             <a:endParaRPr lang="en-US"/>
           </a:p>
@@ -1172,7 +1172,7 @@
           <a:p>
             <a:fld id="{1D8BD707-D9CF-40AE-B4C6-C98DA3205C09}" type="datetimeFigureOut">
               <a:rPr lang="en-US"/>
-              <a:t>3/3/2022</a:t>
+              <a:t>3/24/22</a:t>
             </a:fld>
             <a:endParaRPr lang="en-US"/>
           </a:p>
@@ -1334,7 +1334,7 @@
           <a:p>
             <a:fld id="{1D8BD707-D9CF-40AE-B4C6-C98DA3205C09}" type="datetimeFigureOut">
               <a:rPr lang="en-US"/>
-              <a:t>3/3/2022</a:t>
+              <a:t>3/24/22</a:t>
             </a:fld>
             <a:endParaRPr lang="en-US"/>
           </a:p>
@@ -1652,7 +1652,7 @@
           <a:p>
             <a:fld id="{1D8BD707-D9CF-40AE-B4C6-C98DA3205C09}" type="datetimeFigureOut">
               <a:rPr lang="en-US"/>
-              <a:t>3/3/2022</a:t>
+              <a:t>3/24/22</a:t>
             </a:fld>
             <a:endParaRPr lang="en-US"/>
           </a:p>
@@ -1898,7 +1898,7 @@
               </a:spcBef>
             </a:pPr>
             <a:r>
-              <a:rPr sz="1400" b="1" u="heavy" spc="10" dirty="0">
+              <a:rPr lang="ja-jp" sz="1400" b="1" u="heavy" spc="10" dirty="0">
                 <a:solidFill>
                   <a:srgbClr val="020302"/>
                 </a:solidFill>
@@ -1910,10 +1910,10 @@
                 <a:latin typeface="Adobe Clean"/>
                 <a:cs typeface="Adobe Clean"/>
               </a:rPr>
-              <a:t>Service </a:t>
-            </a:r>
-            <a:r>
-              <a:rPr sz="1400" b="1" u="heavy" spc="-10" dirty="0">
+              <a:t>服務</a:t>
+            </a:r>
+            <a:r>
+              <a:rPr lang="ja-jp" sz="1400" b="1" u="heavy" spc="-10" dirty="0">
                 <a:solidFill>
                   <a:srgbClr val="020302"/>
                 </a:solidFill>
@@ -1925,10 +1925,10 @@
                 <a:latin typeface="Adobe Clean"/>
                 <a:cs typeface="Adobe Clean"/>
               </a:rPr>
-              <a:t>Level </a:t>
-            </a:r>
-            <a:r>
-              <a:rPr sz="1400" b="1" u="heavy" spc="-45" dirty="0">
+              <a:t>層級</a:t>
+            </a:r>
+            <a:r>
+              <a:rPr lang="ja-jp" sz="1400" b="1" u="heavy" spc="-45" dirty="0">
                 <a:solidFill>
                   <a:srgbClr val="020302"/>
                 </a:solidFill>
@@ -1940,10 +1940,10 @@
                 <a:latin typeface="Adobe Clean"/>
                 <a:cs typeface="Adobe Clean"/>
               </a:rPr>
-              <a:t>Targets: </a:t>
-            </a:r>
-            <a:r>
-              <a:rPr sz="1400" b="1" u="heavy" spc="-10" dirty="0">
+              <a:t>目標：</a:t>
+            </a:r>
+            <a:r>
+              <a:rPr lang="ja-jp" sz="1400" b="1" u="heavy" spc="-10" dirty="0">
                 <a:solidFill>
                   <a:srgbClr val="020302"/>
                 </a:solidFill>
@@ -1955,10 +1955,10 @@
                 <a:latin typeface="Adobe Clean"/>
                 <a:cs typeface="Adobe Clean"/>
               </a:rPr>
-              <a:t>Initial</a:t>
-            </a:r>
-            <a:r>
-              <a:rPr sz="1400" b="1" u="heavy" spc="-140" dirty="0">
+              <a:t>最初</a:t>
+            </a:r>
+            <a:r>
+              <a:rPr lang="ja-jp" sz="1400" b="1" u="heavy" spc="-15" dirty="0">
                 <a:solidFill>
                   <a:srgbClr val="020302"/>
                 </a:solidFill>
@@ -1970,22 +1970,7 @@
                 <a:latin typeface="Adobe Clean"/>
                 <a:cs typeface="Adobe Clean"/>
               </a:rPr>
-              <a:t> </a:t>
-            </a:r>
-            <a:r>
-              <a:rPr sz="1400" b="1" u="heavy" spc="-15" dirty="0">
-                <a:solidFill>
-                  <a:srgbClr val="020302"/>
-                </a:solidFill>
-                <a:uFill>
-                  <a:solidFill>
-                    <a:srgbClr val="020302"/>
-                  </a:solidFill>
-                </a:uFill>
-                <a:latin typeface="Adobe Clean"/>
-                <a:cs typeface="Adobe Clean"/>
-              </a:rPr>
-              <a:t>Response</a:t>
+              <a:t>回應</a:t>
             </a:r>
             <a:endParaRPr sz="1400" dirty="0">
               <a:latin typeface="Adobe Clean"/>
@@ -2057,16 +2042,10 @@
               </a:spcBef>
             </a:pPr>
             <a:r>
-              <a:rPr sz="2300" dirty="0">
+              <a:rPr lang="ja-jp" sz="2300" dirty="0">
                 <a:latin typeface="Adobe Clean" panose="020B0503020404020204" pitchFamily="34" charset="0"/>
               </a:rPr>
-              <a:t>ADOBE </a:t>
-            </a:r>
-            <a:r>
-              <a:rPr lang="en-US" sz="2300" dirty="0">
-                <a:latin typeface="Adobe Clean" panose="020B0503020404020204" pitchFamily="34" charset="0"/>
-              </a:rPr>
-              <a:t>SUPPORT PLANS</a:t>
+              <a:t>ADOBE 支援計劃</a:t>
             </a:r>
             <a:endParaRPr sz="2300" dirty="0">
               <a:latin typeface="Adobe Clean" panose="020B0503020404020204" pitchFamily="34" charset="0"/>
@@ -2083,7 +2062,7 @@
         <p:spPr>
           <a:xfrm>
             <a:off x="121147" y="635935"/>
-            <a:ext cx="5865216" cy="1281120"/>
+            <a:ext cx="5865216" cy="973343"/>
           </a:xfrm>
           <a:prstGeom prst="rect">
             <a:avLst/>
@@ -2104,31 +2083,31 @@
               </a:spcBef>
             </a:pPr>
             <a:r>
-              <a:rPr lang="en-US" sz="1200" dirty="0">
+              <a:rPr lang="ja-jp" sz="1200" dirty="0">
                 <a:solidFill>
                   <a:schemeClr val="bg1"/>
                 </a:solidFill>
                 <a:latin typeface="Adobe Clean Light" panose="020B0303020404020204" pitchFamily="34" charset="0"/>
               </a:rPr>
-              <a:t>Standard | </a:t>
-            </a:r>
-            <a:r>
-              <a:rPr lang="en-US" sz="1200" b="1" dirty="0">
+              <a:t>標準 | </a:t>
+            </a:r>
+            <a:r>
+              <a:rPr lang="ja-jp" sz="1200" b="1" dirty="0">
                 <a:solidFill>
                   <a:schemeClr val="bg1"/>
                 </a:solidFill>
                 <a:latin typeface="Adobe Clean" panose="020B0503020404020204" pitchFamily="34" charset="0"/>
               </a:rPr>
-              <a:t>Business</a:t>
-            </a:r>
-            <a:r>
-              <a:rPr lang="en-US" sz="1200" dirty="0">
+              <a:t>商務</a:t>
+            </a:r>
+            <a:r>
+              <a:rPr lang="ja-jp" sz="1200" dirty="0">
                 <a:solidFill>
                   <a:schemeClr val="bg1"/>
                 </a:solidFill>
                 <a:latin typeface="Adobe Clean Light" panose="020B0303020404020204" pitchFamily="34" charset="0"/>
               </a:rPr>
-              <a:t> | Enterprise | Elite</a:t>
+              <a:t> | 企業 | 菁英</a:t>
             </a:r>
           </a:p>
           <a:p>
@@ -2141,13 +2120,193 @@
               </a:spcBef>
             </a:pPr>
             <a:r>
-              <a:rPr lang="en-US" sz="1000" dirty="0">
+              <a:rPr lang="ja-jp" sz="1000" dirty="0">
                 <a:solidFill>
                   <a:schemeClr val="bg1"/>
                 </a:solidFill>
                 <a:latin typeface="Adobe Clean SemiLight"/>
               </a:rPr>
-              <a:t>Adobe provides a comprehensive range of technical resources to help support your business included as part of your Adobe enterprise subscription. This is enhanced with the BUSINESS support plan. BUSINESS support includes priority routing  for support cases to ensure faster connection to more senior support resources on submitted cases. BUSINESS customers also benefit from access to our technical support teams for any product query via either the telephone or the support web portal, to help protect your business at the most critical times. BUSINESS customers will be able to leverage their Account Support Lead for support case escalation management to receive regular communications and updates for your most critical of support requests.</a:t>
+              <a:t>Adobe 提供全方位的技術資源來支援您的</a:t>
+            </a:r>
+            <a:r>
+              <a:rPr lang="ja-jp" sz="1000">
+                <a:solidFill>
+                  <a:schemeClr val="bg1"/>
+                </a:solidFill>
+                <a:latin typeface="Adobe Clean SemiLight"/>
+              </a:rPr>
+              <a:t>業務</a:t>
+            </a:r>
+            <a:r>
+              <a:rPr lang="ja-JP" altLang="en-US" sz="1000">
+                <a:solidFill>
+                  <a:schemeClr val="bg1"/>
+                </a:solidFill>
+                <a:latin typeface="Adobe Clean SemiLight"/>
+              </a:rPr>
+              <a:t>、</a:t>
+            </a:r>
+            <a:r>
+              <a:rPr lang="ja-jp" sz="1000">
+                <a:solidFill>
+                  <a:schemeClr val="bg1"/>
+                </a:solidFill>
+                <a:latin typeface="Adobe Clean SemiLight"/>
+              </a:rPr>
+              <a:t>這</a:t>
+            </a:r>
+            <a:r>
+              <a:rPr lang="ja-jp" sz="1000" dirty="0">
+                <a:solidFill>
+                  <a:schemeClr val="bg1"/>
+                </a:solidFill>
+                <a:latin typeface="Adobe Clean SemiLight"/>
+              </a:rPr>
+              <a:t>些資源包含在您的 Adobe 企業訂閱中。商務支援計劃增強了這一點。商務支援包括支援案例的優先</a:t>
+            </a:r>
+            <a:r>
+              <a:rPr lang="ja-jp" sz="1000">
+                <a:solidFill>
+                  <a:schemeClr val="bg1"/>
+                </a:solidFill>
+                <a:latin typeface="Adobe Clean SemiLight"/>
+              </a:rPr>
+              <a:t>路由</a:t>
+            </a:r>
+            <a:r>
+              <a:rPr lang="ja-JP" altLang="en-US" sz="1000">
+                <a:solidFill>
+                  <a:schemeClr val="bg1"/>
+                </a:solidFill>
+                <a:latin typeface="Adobe Clean SemiLight"/>
+              </a:rPr>
+              <a:t>、</a:t>
+            </a:r>
+            <a:r>
+              <a:rPr lang="ja-jp" sz="1000">
+                <a:solidFill>
+                  <a:schemeClr val="bg1"/>
+                </a:solidFill>
+                <a:latin typeface="Adobe Clean SemiLight"/>
+              </a:rPr>
+              <a:t>以</a:t>
+            </a:r>
+            <a:r>
+              <a:rPr lang="ja-jp" sz="1000" dirty="0">
+                <a:solidFill>
+                  <a:schemeClr val="bg1"/>
+                </a:solidFill>
+                <a:latin typeface="Adobe Clean SemiLight"/>
+              </a:rPr>
+              <a:t>確保根據提交案例更快聯繫到更資深的支援資源。商務客戶還可以透過電話或支援入口網站聯絡我們的技術支援</a:t>
+            </a:r>
+            <a:r>
+              <a:rPr lang="ja-jp" sz="1000">
+                <a:solidFill>
+                  <a:schemeClr val="bg1"/>
+                </a:solidFill>
+                <a:latin typeface="Adobe Clean SemiLight"/>
+              </a:rPr>
+              <a:t>團隊</a:t>
+            </a:r>
+            <a:r>
+              <a:rPr lang="ja-JP" altLang="en-US" sz="1000">
+                <a:solidFill>
+                  <a:schemeClr val="bg1"/>
+                </a:solidFill>
+                <a:latin typeface="Adobe Clean SemiLight"/>
+              </a:rPr>
+              <a:t>、</a:t>
+            </a:r>
+            <a:r>
+              <a:rPr lang="ja-jp" sz="1000">
+                <a:solidFill>
+                  <a:schemeClr val="bg1"/>
+                </a:solidFill>
+                <a:latin typeface="Adobe Clean SemiLight"/>
+              </a:rPr>
+              <a:t>以</a:t>
+            </a:r>
+            <a:r>
+              <a:rPr lang="ja-jp" sz="1000" dirty="0">
+                <a:solidFill>
+                  <a:schemeClr val="bg1"/>
+                </a:solidFill>
+                <a:latin typeface="Adobe Clean SemiLight"/>
+              </a:rPr>
+              <a:t>解決任何產品</a:t>
+            </a:r>
+            <a:r>
+              <a:rPr lang="ja-jp" sz="1000">
+                <a:solidFill>
+                  <a:schemeClr val="bg1"/>
+                </a:solidFill>
+                <a:latin typeface="Adobe Clean SemiLight"/>
+              </a:rPr>
+              <a:t>查詢</a:t>
+            </a:r>
+            <a:r>
+              <a:rPr lang="ja-JP" altLang="en-US" sz="1000">
+                <a:solidFill>
+                  <a:schemeClr val="bg1"/>
+                </a:solidFill>
+                <a:latin typeface="Adobe Clean SemiLight"/>
+              </a:rPr>
+              <a:t>、</a:t>
+            </a:r>
+            <a:r>
+              <a:rPr lang="ja-jp" sz="1000">
+                <a:solidFill>
+                  <a:schemeClr val="bg1"/>
+                </a:solidFill>
+                <a:latin typeface="Adobe Clean SemiLight"/>
+              </a:rPr>
+              <a:t>以</a:t>
+            </a:r>
+            <a:r>
+              <a:rPr lang="ja-jp" sz="1000" dirty="0">
+                <a:solidFill>
+                  <a:schemeClr val="bg1"/>
+                </a:solidFill>
+                <a:latin typeface="Adobe Clean SemiLight"/>
+              </a:rPr>
+              <a:t>在最關鍵的時刻幫助保護您的業務。商務客戶可善用他們的帳戶支援負責人來支援案例升級</a:t>
+            </a:r>
+            <a:r>
+              <a:rPr lang="ja-jp" sz="1000">
+                <a:solidFill>
+                  <a:schemeClr val="bg1"/>
+                </a:solidFill>
+                <a:latin typeface="Adobe Clean SemiLight"/>
+              </a:rPr>
+              <a:t>管理</a:t>
+            </a:r>
+            <a:r>
+              <a:rPr lang="ja-JP" altLang="en-US" sz="1000">
+                <a:solidFill>
+                  <a:schemeClr val="bg1"/>
+                </a:solidFill>
+                <a:latin typeface="Adobe Clean SemiLight"/>
+              </a:rPr>
+              <a:t>、</a:t>
+            </a:r>
+            <a:r>
+              <a:rPr lang="ja-jp" sz="1000">
+                <a:solidFill>
+                  <a:schemeClr val="bg1"/>
+                </a:solidFill>
+                <a:latin typeface="Adobe Clean SemiLight"/>
+              </a:rPr>
+              <a:t>以</a:t>
+            </a:r>
+            <a:r>
+              <a:rPr lang="ja-jp" sz="1000" dirty="0">
+                <a:solidFill>
+                  <a:schemeClr val="bg1"/>
+                </a:solidFill>
+                <a:latin typeface="Adobe Clean SemiLight"/>
+              </a:rPr>
+              <a:t>獲得針對您最關鍵的支援請求的定期溝通和更新。</a:t>
             </a:r>
             <a:endParaRPr lang="en-US" sz="1000" dirty="0">
               <a:solidFill>
@@ -2292,34 +2451,14 @@
                         <a:defRPr/>
                       </a:pPr>
                       <a:r>
-                        <a:rPr lang="en-US" sz="1200" spc="-20" dirty="0">
+                        <a:rPr lang="ja-jp" sz="1200" spc="-20" dirty="0">
                           <a:solidFill>
                             <a:srgbClr val="404040"/>
                           </a:solidFill>
                           <a:latin typeface="Adobe Clean"/>
                           <a:cs typeface="Adobe Clean"/>
                         </a:rPr>
-                        <a:t>Standard </a:t>
-                      </a:r>
-                      <a:r>
-                        <a:rPr lang="en-US" sz="1200" spc="-135" dirty="0">
-                          <a:solidFill>
-                            <a:srgbClr val="404040"/>
-                          </a:solidFill>
-                          <a:latin typeface="Adobe Clean"/>
-                          <a:cs typeface="Adobe Clean"/>
-                        </a:rPr>
-                        <a:t> </a:t>
-                      </a:r>
-                      <a:r>
-                        <a:rPr lang="en-US" sz="1200" spc="-20" dirty="0">
-                          <a:solidFill>
-                            <a:srgbClr val="404040"/>
-                          </a:solidFill>
-                          <a:latin typeface="Adobe Clean"/>
-                          <a:cs typeface="Adobe Clean"/>
-                        </a:rPr>
-                        <a:t>Support</a:t>
+                        <a:t>標準支援</a:t>
                       </a:r>
                       <a:endParaRPr lang="en-US" sz="1200" dirty="0">
                         <a:latin typeface="Adobe Clean"/>
@@ -2365,34 +2504,14 @@
                         </a:spcBef>
                       </a:pPr>
                       <a:r>
-                        <a:rPr sz="1200" spc="-20" dirty="0">
+                        <a:rPr lang="ja-jp" sz="1200" spc="-20" dirty="0">
                           <a:solidFill>
                             <a:srgbClr val="FFFFFF"/>
                           </a:solidFill>
                           <a:latin typeface="Adobe Clean"/>
                           <a:cs typeface="Adobe Clean"/>
                         </a:rPr>
-                        <a:t>Business</a:t>
-                      </a:r>
-                      <a:r>
-                        <a:rPr lang="en-US" sz="1200" spc="-20" dirty="0">
-                          <a:solidFill>
-                            <a:srgbClr val="FFFFFF"/>
-                          </a:solidFill>
-                          <a:latin typeface="Adobe Clean"/>
-                          <a:cs typeface="Adobe Clean"/>
-                        </a:rPr>
-                        <a:t> </a:t>
-                      </a:r>
-                      <a:r>
-                        <a:rPr sz="1200" spc="-20" dirty="0">
-                          <a:solidFill>
-                            <a:srgbClr val="FFFFFF"/>
-                          </a:solidFill>
-                          <a:latin typeface="Adobe Clean"/>
-                          <a:cs typeface="Adobe Clean"/>
-                        </a:rPr>
-                        <a:t>Support</a:t>
+                        <a:t>商務支援</a:t>
                       </a:r>
                       <a:endParaRPr sz="1200" dirty="0">
                         <a:latin typeface="Adobe Clean"/>
@@ -2543,13 +2662,13 @@
                         <a:defRPr/>
                       </a:pPr>
                       <a:r>
-                        <a:rPr lang="en-US" sz="1200" b="1" i="1" dirty="0">
+                        <a:rPr lang="ja-jp" sz="1200" b="1" i="1" dirty="0">
                           <a:solidFill>
                             <a:schemeClr val="bg1"/>
                           </a:solidFill>
                           <a:latin typeface="Adobe Clean" panose="020B0503020404020204" pitchFamily="34" charset="0"/>
                         </a:rPr>
-                        <a:t>Paid Support ($)</a:t>
+                        <a:t>付費支援 ($)</a:t>
                       </a:r>
                     </a:p>
                   </a:txBody>
@@ -2613,14 +2732,14 @@
                         </a:spcBef>
                       </a:pPr>
                       <a:r>
-                        <a:rPr lang="en-US" sz="1200" b="1" i="0" spc="0" dirty="0">
+                        <a:rPr lang="ja-jp" sz="1200" b="1" i="0" spc="0" dirty="0">
                           <a:solidFill>
                             <a:schemeClr val="bg1"/>
                           </a:solidFill>
                           <a:latin typeface="Adobe Clean"/>
                           <a:cs typeface="AdobeClean-Light"/>
                         </a:rPr>
-                        <a:t>Assigned Experts</a:t>
+                        <a:t>指派的專家</a:t>
                       </a:r>
                       <a:endParaRPr sz="1200" b="1" i="0" spc="0" dirty="0">
                         <a:solidFill>
@@ -2675,14 +2794,14 @@
                         </a:spcBef>
                       </a:pPr>
                       <a:r>
-                        <a:rPr sz="1100" b="0" i="0" spc="0" dirty="0">
+                        <a:rPr lang="ja-jp" sz="1100" b="0" i="0" spc="0" dirty="0">
                           <a:solidFill>
                             <a:srgbClr val="020302"/>
                           </a:solidFill>
                           <a:latin typeface="Adobe Clean Light" panose="020B0303020404020204" pitchFamily="34" charset="0"/>
                           <a:cs typeface="AdobeClean-Light"/>
                         </a:rPr>
-                        <a:t>Account Support Lead</a:t>
+                        <a:t>帳戶支援負責人</a:t>
                       </a:r>
                       <a:endParaRPr sz="1100" b="0" i="0" spc="0" dirty="0">
                         <a:latin typeface="Adobe Clean Light" panose="020B0303020404020204" pitchFamily="34" charset="0"/>
@@ -2772,7 +2891,7 @@
                         </a:spcBef>
                       </a:pPr>
                       <a:r>
-                        <a:rPr sz="1200" dirty="0">
+                        <a:rPr lang="ja-jp" sz="1200" dirty="0">
                           <a:solidFill>
                             <a:srgbClr val="020302"/>
                           </a:solidFill>
@@ -2846,14 +2965,14 @@
                         </a:spcBef>
                       </a:pPr>
                       <a:r>
-                        <a:rPr sz="1100" b="0" i="0" spc="0" dirty="0">
+                        <a:rPr lang="ja-jp" sz="1100" b="0" i="0" spc="0" dirty="0">
                           <a:solidFill>
                             <a:srgbClr val="020302"/>
                           </a:solidFill>
                           <a:latin typeface="Adobe Clean Light" panose="020B0303020404020204" pitchFamily="34" charset="0"/>
                           <a:cs typeface="AdobeClean-Light"/>
                         </a:rPr>
-                        <a:t>Named Support Engineer</a:t>
+                        <a:t>指定的支援工程師</a:t>
                       </a:r>
                       <a:endParaRPr sz="1100" b="0" i="0" spc="0" dirty="0">
                         <a:latin typeface="Adobe Clean Light" panose="020B0303020404020204" pitchFamily="34" charset="0"/>
@@ -2983,14 +3102,14 @@
                         </a:spcBef>
                       </a:pPr>
                       <a:r>
-                        <a:rPr sz="1100" b="0" i="0" spc="0" dirty="0">
+                        <a:rPr lang="ja-jp" sz="1100" b="0" i="0" spc="0" dirty="0">
                           <a:solidFill>
                             <a:srgbClr val="020302"/>
                           </a:solidFill>
                           <a:latin typeface="Adobe Clean Light" panose="020B0303020404020204" pitchFamily="34" charset="0"/>
                           <a:cs typeface="AdobeClean-Light"/>
                         </a:rPr>
-                        <a:t>Technical Account Manager</a:t>
+                        <a:t>技術客戶經理</a:t>
                       </a:r>
                       <a:endParaRPr sz="1100" b="0" i="0" spc="0" dirty="0">
                         <a:latin typeface="Adobe Clean Light" panose="020B0303020404020204" pitchFamily="34" charset="0"/>
@@ -3126,14 +3245,14 @@
                         </a:spcBef>
                       </a:pPr>
                       <a:r>
-                        <a:rPr lang="en-US" sz="1200" b="1" i="0" spc="0" dirty="0">
+                        <a:rPr lang="ja-jp" sz="1200" b="1" i="0" spc="0" dirty="0">
                           <a:solidFill>
                             <a:schemeClr val="bg1"/>
                           </a:solidFill>
                           <a:latin typeface="Adobe Clean" panose="020B0503020404020204" pitchFamily="34" charset="0"/>
                           <a:cs typeface="AdobeClean-Light"/>
                         </a:rPr>
-                        <a:t>Support Services</a:t>
+                        <a:t>支援服務</a:t>
                       </a:r>
                       <a:endParaRPr sz="1200" b="1" i="0" spc="0" dirty="0">
                         <a:solidFill>
@@ -3191,14 +3310,14 @@
                         </a:spcBef>
                       </a:pPr>
                       <a:r>
-                        <a:rPr lang="en-US" sz="1100" b="0" i="0" spc="0" dirty="0">
+                        <a:rPr lang="ja-jp" sz="1100" b="0" i="0" spc="0" dirty="0">
                           <a:solidFill>
                             <a:srgbClr val="020302"/>
                           </a:solidFill>
                           <a:latin typeface="Adobe Clean Light" panose="020B0303020404020204" pitchFamily="34" charset="0"/>
                           <a:cs typeface="AdobeClean-Light"/>
                         </a:rPr>
-                        <a:t>24x7 Self-Help Support </a:t>
+                        <a:t>全年無休的自助式支援</a:t>
                       </a:r>
                       <a:endParaRPr lang="en-US" sz="1100" b="0" i="0" spc="0" dirty="0">
                         <a:latin typeface="Adobe Clean Light" panose="020B0303020404020204" pitchFamily="34" charset="0"/>
@@ -3247,7 +3366,7 @@
                         </a:spcBef>
                       </a:pPr>
                       <a:r>
-                        <a:rPr sz="1200" dirty="0">
+                        <a:rPr lang="ja-jp" sz="1200" dirty="0">
                           <a:solidFill>
                             <a:srgbClr val="020302"/>
                           </a:solidFill>
@@ -3298,7 +3417,7 @@
                         </a:spcBef>
                       </a:pPr>
                       <a:r>
-                        <a:rPr sz="1200" dirty="0">
+                        <a:rPr lang="ja-jp" sz="1200" dirty="0">
                           <a:solidFill>
                             <a:srgbClr val="020302"/>
                           </a:solidFill>
@@ -3400,14 +3519,14 @@
                         </a:spcBef>
                       </a:pPr>
                       <a:r>
-                        <a:rPr lang="en-US" sz="1100" b="0" i="0" spc="0" dirty="0">
+                        <a:rPr lang="ja-jp" sz="1100" b="0" i="0" spc="0" dirty="0">
                           <a:solidFill>
                             <a:srgbClr val="020302"/>
                           </a:solidFill>
                           <a:latin typeface="Adobe Clean Light" panose="020B0303020404020204" pitchFamily="34" charset="0"/>
                           <a:cs typeface="AdobeClean-Light"/>
                         </a:rPr>
-                        <a:t>24x7 Support via Chat / Phone</a:t>
+                        <a:t>全年無休的聊天/電話支援</a:t>
                       </a:r>
                       <a:endParaRPr sz="1100" b="0" i="0" spc="0" dirty="0">
                         <a:latin typeface="Adobe Clean Light" panose="020B0303020404020204" pitchFamily="34" charset="0"/>
@@ -3454,7 +3573,7 @@
                         </a:spcBef>
                       </a:pPr>
                       <a:r>
-                        <a:rPr lang="en-US" sz="1200" dirty="0">
+                        <a:rPr lang="ja-jp" sz="1200" dirty="0">
                           <a:solidFill>
                             <a:srgbClr val="020302"/>
                           </a:solidFill>
@@ -3503,7 +3622,7 @@
                         </a:spcBef>
                       </a:pPr>
                       <a:r>
-                        <a:rPr sz="1200" dirty="0">
+                        <a:rPr lang="ja-jp" sz="1200" dirty="0">
                           <a:solidFill>
                             <a:srgbClr val="020302"/>
                           </a:solidFill>
@@ -3614,11 +3733,11 @@
                         </a:spcBef>
                       </a:pPr>
                       <a:r>
-                        <a:rPr lang="en-US" sz="1100" b="0" i="0" spc="0" dirty="0">
+                        <a:rPr lang="ja-jp" sz="1100" b="0" i="0" spc="0" dirty="0">
                           <a:latin typeface="Adobe Clean Light" panose="020B0303020404020204" pitchFamily="34" charset="0"/>
                           <a:cs typeface="AdobeClean-Light"/>
                         </a:rPr>
-                        <a:t>Web Case Submissions </a:t>
+                        <a:t>網頁案例提交</a:t>
                       </a:r>
                       <a:endParaRPr sz="1100" b="0" i="0" spc="0" dirty="0">
                         <a:latin typeface="Adobe Clean Light" panose="020B0303020404020204" pitchFamily="34" charset="0"/>
@@ -3665,7 +3784,7 @@
                         </a:spcBef>
                       </a:pPr>
                       <a:r>
-                        <a:rPr sz="1200" dirty="0">
+                        <a:rPr lang="ja-jp" sz="1200" dirty="0">
                           <a:solidFill>
                             <a:srgbClr val="020302"/>
                           </a:solidFill>
@@ -3714,7 +3833,7 @@
                         </a:spcBef>
                       </a:pPr>
                       <a:r>
-                        <a:rPr lang="en-US" sz="1200" dirty="0">
+                        <a:rPr lang="ja-jp" sz="1200" dirty="0">
                           <a:solidFill>
                             <a:srgbClr val="020302"/>
                           </a:solidFill>
@@ -3807,14 +3926,14 @@
                         </a:spcBef>
                       </a:pPr>
                       <a:r>
-                        <a:rPr lang="en-US" sz="1100" b="0" i="0" spc="0" dirty="0">
+                        <a:rPr lang="ja-jp" sz="1100" b="0" i="0" spc="0" dirty="0">
                           <a:solidFill>
                             <a:srgbClr val="020302"/>
                           </a:solidFill>
                           <a:latin typeface="Adobe Clean Light" panose="020B0303020404020204" pitchFamily="34" charset="0"/>
                           <a:cs typeface="AdobeClean-Light"/>
                         </a:rPr>
-                        <a:t>Priority Case Routing</a:t>
+                        <a:t>優先案例路由</a:t>
                       </a:r>
                       <a:endParaRPr sz="1100" b="0" i="0" spc="0" dirty="0">
                         <a:latin typeface="Adobe Clean Light" panose="020B0303020404020204" pitchFamily="34" charset="0"/>
@@ -3892,7 +4011,7 @@
                         <a:defRPr/>
                       </a:pPr>
                       <a:r>
-                        <a:rPr lang="en-US" sz="1200" dirty="0">
+                        <a:rPr lang="ja-jp" sz="1200" dirty="0">
                           <a:solidFill>
                             <a:srgbClr val="020302"/>
                           </a:solidFill>
@@ -3994,11 +4113,11 @@
                         <a:defRPr/>
                       </a:pPr>
                       <a:r>
-                        <a:rPr lang="en-US" sz="1100" b="0" i="0" spc="0" dirty="0">
+                        <a:rPr lang="ja-jp" sz="1100" b="0" i="0" spc="0" dirty="0">
                           <a:latin typeface="Adobe Clean Light" panose="020B0303020404020204" pitchFamily="34" charset="0"/>
                           <a:cs typeface="AdobeClean-Light"/>
                         </a:rPr>
-                        <a:t>Accelerated Issue Prioritization</a:t>
+                        <a:t>加速問題優先順序</a:t>
                       </a:r>
                     </a:p>
                   </a:txBody>
@@ -4069,7 +4188,7 @@
                         </a:spcBef>
                       </a:pPr>
                       <a:r>
-                        <a:rPr lang="en-US" sz="1200" dirty="0">
+                        <a:rPr lang="ja-jp" sz="1200" dirty="0">
                           <a:solidFill>
                             <a:srgbClr val="020302"/>
                           </a:solidFill>
@@ -4142,11 +4261,11 @@
                         </a:spcBef>
                       </a:pPr>
                       <a:r>
-                        <a:rPr lang="en-US" sz="1100" b="0" i="0" spc="0" dirty="0">
+                        <a:rPr lang="ja-jp" sz="1100" b="0" i="0" spc="0" dirty="0">
                           <a:latin typeface="Adobe Clean Light" panose="020B0303020404020204" pitchFamily="34" charset="0"/>
                           <a:cs typeface="AdobeClean-Light"/>
                         </a:rPr>
-                        <a:t>Escalation Management</a:t>
+                        <a:t>向上呈報管理</a:t>
                       </a:r>
                       <a:endParaRPr sz="1100" b="0" i="0" spc="0" dirty="0">
                         <a:latin typeface="Adobe Clean Light" panose="020B0303020404020204" pitchFamily="34" charset="0"/>
@@ -4224,7 +4343,7 @@
                         <a:defRPr/>
                       </a:pPr>
                       <a:r>
-                        <a:rPr lang="en-US" sz="1200" dirty="0">
+                        <a:rPr lang="ja-jp" sz="1200" dirty="0">
                           <a:solidFill>
                             <a:srgbClr val="020302"/>
                           </a:solidFill>
@@ -4297,11 +4416,11 @@
                         </a:spcBef>
                       </a:pPr>
                       <a:r>
-                        <a:rPr lang="en-US" sz="1100" b="0" i="0" spc="0" dirty="0">
+                        <a:rPr lang="ja-jp" sz="1100" b="0" i="0" spc="0" dirty="0">
                           <a:latin typeface="Adobe Clean Light" panose="020B0303020404020204" pitchFamily="34" charset="0"/>
                           <a:cs typeface="AdobeClean-Light"/>
                         </a:rPr>
-                        <a:t>Proactive Case Monitoring</a:t>
+                        <a:t>主動案例監控</a:t>
                       </a:r>
                       <a:endParaRPr sz="1100" b="0" i="0" spc="0" dirty="0">
                         <a:latin typeface="Adobe Clean Light" panose="020B0303020404020204" pitchFamily="34" charset="0"/>
@@ -4445,13 +4564,13 @@
                         <a:buNone/>
                       </a:pPr>
                       <a:r>
-                        <a:rPr lang="en-US" sz="1100" b="0" i="0" u="none" strike="noStrike" spc="0" noProof="0" dirty="0">
+                        <a:rPr lang="ja-jp" sz="1100" b="0" i="0" u="none" strike="noStrike" spc="0" noProof="0" dirty="0">
                           <a:solidFill>
                             <a:srgbClr val="020302"/>
                           </a:solidFill>
                           <a:latin typeface="Adobe Clean Light"/>
                         </a:rPr>
-                        <a:t>In-Region Support Option</a:t>
+                        <a:t>區域內支援選項</a:t>
                       </a:r>
                       <a:endParaRPr dirty="0"/>
                     </a:p>
@@ -4578,14 +4697,14 @@
                         </a:spcBef>
                       </a:pPr>
                       <a:r>
-                        <a:rPr lang="en-US" sz="1100" b="0" i="0" spc="0" dirty="0">
+                        <a:rPr lang="ja-jp" sz="1100" b="0" i="0" spc="0" dirty="0">
                           <a:solidFill>
                             <a:srgbClr val="020302"/>
                           </a:solidFill>
                           <a:latin typeface="Adobe Clean Light" panose="020B0303020404020204" pitchFamily="34" charset="0"/>
                           <a:cs typeface="AdobeClean-Light"/>
                         </a:rPr>
-                        <a:t>Service Reviews</a:t>
+                        <a:t>服務審查</a:t>
                       </a:r>
                       <a:endParaRPr sz="1100" b="0" i="0" spc="0" dirty="0">
                         <a:latin typeface="Adobe Clean Light" panose="020B0303020404020204" pitchFamily="34" charset="0"/>
@@ -4709,11 +4828,11 @@
                         </a:spcBef>
                       </a:pPr>
                       <a:r>
-                        <a:rPr lang="en-US" sz="1100" b="0" i="0" spc="0" dirty="0">
+                        <a:rPr lang="ja-jp" sz="1100" b="0" i="0" spc="0" dirty="0">
                           <a:latin typeface="Adobe Clean Light" panose="020B0303020404020204" pitchFamily="34" charset="0"/>
                           <a:cs typeface="AdobeClean-Light"/>
                         </a:rPr>
-                        <a:t>Case Reviews</a:t>
+                        <a:t>案件審查</a:t>
                       </a:r>
                       <a:endParaRPr sz="1100" b="0" i="0" spc="0" dirty="0">
                         <a:latin typeface="Adobe Clean Light" panose="020B0303020404020204" pitchFamily="34" charset="0"/>
@@ -4863,11 +4982,11 @@
                         <a:defRPr/>
                       </a:pPr>
                       <a:r>
-                        <a:rPr lang="en-US" sz="1100" b="0" i="0" spc="0" dirty="0">
+                        <a:rPr lang="ja-jp" sz="1100" b="0" i="0" spc="0" dirty="0">
                           <a:latin typeface="Adobe Clean Light" panose="020B0303020404020204" pitchFamily="34" charset="0"/>
                           <a:cs typeface="AdobeClean-Light"/>
                         </a:rPr>
-                        <a:t>Solution Review</a:t>
+                        <a:t>解決方案審查</a:t>
                       </a:r>
                     </a:p>
                   </a:txBody>
@@ -5004,11 +5123,11 @@
                         <a:defRPr/>
                       </a:pPr>
                       <a:r>
-                        <a:rPr lang="en-US" sz="1100" b="0" i="0" spc="0" dirty="0">
+                        <a:rPr lang="ja-jp" sz="1100" b="0" i="0" spc="0" dirty="0">
                           <a:latin typeface="Adobe Clean Light" panose="020B0303020404020204" pitchFamily="34" charset="0"/>
                           <a:cs typeface="AdobeClean-Light"/>
                         </a:rPr>
-                        <a:t>Roadmap Review </a:t>
+                        <a:t>藍圖審查</a:t>
                       </a:r>
                     </a:p>
                   </a:txBody>
@@ -5139,14 +5258,14 @@
                         <a:defRPr/>
                       </a:pPr>
                       <a:r>
-                        <a:rPr lang="en-US" sz="1100" b="0" i="0" spc="0" dirty="0">
+                        <a:rPr lang="ja-jp" sz="1100" b="0" i="0" spc="0" dirty="0">
                           <a:solidFill>
                             <a:srgbClr val="020302"/>
                           </a:solidFill>
                           <a:latin typeface="Adobe Clean Light" panose="020B0303020404020204" pitchFamily="34" charset="0"/>
                           <a:cs typeface="AdobeClean-Light"/>
                         </a:rPr>
-                        <a:t>Additional Named Support Contacts </a:t>
+                        <a:t>其他指定的支援聯絡人</a:t>
                       </a:r>
                       <a:endParaRPr lang="en-US" sz="1100" b="0" i="0" spc="0" dirty="0">
                         <a:latin typeface="Adobe Clean Light" panose="020B0303020404020204" pitchFamily="34" charset="0"/>
@@ -5281,11 +5400,11 @@
                         </a:spcBef>
                       </a:pPr>
                       <a:r>
-                        <a:rPr lang="en-US" sz="1100" b="0" i="0" spc="0" dirty="0">
+                        <a:rPr lang="ja-jp" sz="1100" b="0" i="0" spc="0" dirty="0">
                           <a:latin typeface="Adobe Clean Light" panose="020B0303020404020204" pitchFamily="34" charset="0"/>
                           <a:cs typeface="AdobeClean-Light"/>
                         </a:rPr>
-                        <a:t>Upgrade/Migration Planning</a:t>
+                        <a:t>升級/遷移計劃</a:t>
                       </a:r>
                       <a:endParaRPr sz="1100" b="0" i="0" spc="0" dirty="0">
                         <a:latin typeface="Adobe Clean Light" panose="020B0303020404020204" pitchFamily="34" charset="0"/>
@@ -5419,11 +5538,11 @@
                         </a:spcBef>
                       </a:pPr>
                       <a:r>
-                        <a:rPr lang="en-US" sz="1100" b="0" i="0" spc="0" dirty="0">
+                        <a:rPr lang="ja-jp" sz="1100" b="0" i="0" spc="0" dirty="0">
                           <a:latin typeface="Adobe Clean Light" panose="020B0303020404020204" pitchFamily="34" charset="0"/>
                           <a:cs typeface="AdobeClean-Light"/>
                         </a:rPr>
-                        <a:t>Release Preparation and Planning</a:t>
+                        <a:t>發行準備與規劃</a:t>
                       </a:r>
                       <a:endParaRPr sz="1100" b="0" i="0" spc="0" dirty="0">
                         <a:latin typeface="Adobe Clean Light" panose="020B0303020404020204" pitchFamily="34" charset="0"/>
@@ -5638,11 +5757,11 @@
                         </a:spcBef>
                       </a:pPr>
                       <a:r>
-                        <a:rPr lang="en-US" sz="1100" b="0" i="0" spc="0" dirty="0">
+                        <a:rPr lang="ja-jp" sz="1100" b="0" i="0" spc="0" dirty="0">
                           <a:latin typeface="Adobe Clean Light" panose="020B0303020404020204" pitchFamily="34" charset="0"/>
                           <a:cs typeface="AdobeClean-Light"/>
                         </a:rPr>
-                        <a:t>Executive Sponsor</a:t>
+                        <a:t>高階主管支持人</a:t>
                       </a:r>
                       <a:endParaRPr sz="1100" b="0" i="0" spc="0" dirty="0">
                         <a:latin typeface="Adobe Clean Light" panose="020B0303020404020204" pitchFamily="34" charset="0"/>
@@ -5738,7 +5857,7 @@
                     <a:bodyPr/>
                     <a:lstStyle/>
                     <a:p>
-                      <a:pPr>
+                      <a:pPr marL="0" algn="l" rtl="0">
                         <a:lnSpc>
                           <a:spcPct val="100000"/>
                         </a:lnSpc>
@@ -5814,13 +5933,13 @@
           <a:lstStyle/>
           <a:p>
             <a:r>
-              <a:rPr lang="en-US" sz="700" i="1" dirty="0">
+              <a:rPr lang="ja-jp" sz="700" i="1" dirty="0">
                 <a:solidFill>
                   <a:schemeClr val="bg1"/>
                 </a:solidFill>
                 <a:latin typeface="Adobe Clean" panose="020B0503020404020204" pitchFamily="34" charset="0"/>
               </a:rPr>
-              <a:t>Adobe Creative Cloud / Adobe Document Cloud (including Adobe Sign)</a:t>
+              <a:t>Adobe Creative Cloud / Adobe Document Cloud (包括 Adobe Sign)</a:t>
             </a:r>
           </a:p>
         </p:txBody>
@@ -5840,14 +5959,14 @@
           <p:nvPr>
             <p:extLst>
               <p:ext uri="{D42A27DB-BD31-4B8C-83A1-F6EECF244321}">
-                <p14:modId xmlns:p14="http://schemas.microsoft.com/office/powerpoint/2010/main" val="2288175540"/>
+                <p14:modId xmlns:p14="http://schemas.microsoft.com/office/powerpoint/2010/main" val="1495357511"/>
               </p:ext>
             </p:extLst>
           </p:nvPr>
         </p:nvGraphicFramePr>
         <p:xfrm>
           <a:off x="121146" y="7483227"/>
-          <a:ext cx="7498851" cy="2361428"/>
+          <a:ext cx="7498851" cy="2103437"/>
         </p:xfrm>
         <a:graphic>
           <a:graphicData uri="http://schemas.openxmlformats.org/drawingml/2006/table">
@@ -5907,16 +6026,16 @@
                         </a:spcBef>
                       </a:pPr>
                       <a:r>
-                        <a:rPr sz="1000" spc="0">
+                        <a:rPr lang="ja-jp" sz="1000" spc="0">
                           <a:solidFill>
                             <a:srgbClr val="020302"/>
                           </a:solidFill>
                           <a:latin typeface="Adobe Clean"/>
                           <a:cs typeface="Adobe Clean"/>
                         </a:rPr>
-                        <a:t>Priority</a:t>
+                        <a:t>優先順序</a:t>
                       </a:r>
-                      <a:endParaRPr sz="1000" spc="0">
+                      <a:endParaRPr sz="1000" spc="0" dirty="0">
                         <a:latin typeface="Adobe Clean"/>
                         <a:cs typeface="Adobe Clean"/>
                       </a:endParaRPr>
@@ -5966,44 +6085,14 @@
                         </a:spcBef>
                       </a:pPr>
                       <a:r>
-                        <a:rPr lang="en-US" sz="900" spc="0">
+                        <a:rPr lang="ja-jp" sz="900" spc="0">
                           <a:solidFill>
                             <a:srgbClr val="020302"/>
                           </a:solidFill>
                           <a:latin typeface="Adobe Clean"/>
                           <a:cs typeface="Adobe Clean"/>
                         </a:rPr>
-                        <a:t>Standard</a:t>
-                      </a:r>
-                      <a:r>
-                        <a:rPr sz="900" spc="0">
-                          <a:solidFill>
-                            <a:srgbClr val="020302"/>
-                          </a:solidFill>
-                          <a:latin typeface="Adobe Clean"/>
-                          <a:cs typeface="Adobe Clean"/>
-                        </a:rPr>
-                        <a:t> </a:t>
-                      </a:r>
-                      <a:r>
-                        <a:rPr lang="en-US" sz="900" spc="0">
-                          <a:solidFill>
-                            <a:srgbClr val="020302"/>
-                          </a:solidFill>
-                          <a:latin typeface="Adobe Clean"/>
-                          <a:cs typeface="Adobe Clean"/>
-                        </a:rPr>
-                        <a:t> </a:t>
-                      </a:r>
-                      <a:r>
-                        <a:rPr sz="900" spc="0">
-                          <a:solidFill>
-                            <a:srgbClr val="020302"/>
-                          </a:solidFill>
-                          <a:latin typeface="Adobe Clean"/>
-                          <a:cs typeface="Adobe Clean"/>
-                        </a:rPr>
-                        <a:t>Support</a:t>
+                        <a:t>標準支援</a:t>
                       </a:r>
                       <a:endParaRPr sz="900" spc="0">
                         <a:latin typeface="Adobe Clean"/>
@@ -6058,34 +6147,14 @@
                         </a:spcBef>
                       </a:pPr>
                       <a:r>
-                        <a:rPr sz="900" spc="0">
+                        <a:rPr lang="ja-jp" sz="900" spc="0">
                           <a:solidFill>
                             <a:srgbClr val="FFFFFF"/>
                           </a:solidFill>
                           <a:latin typeface="Adobe Clean"/>
                           <a:cs typeface="Adobe Clean"/>
                         </a:rPr>
-                        <a:t>Business</a:t>
-                      </a:r>
-                      <a:r>
-                        <a:rPr lang="en-US" sz="900" spc="0">
-                          <a:solidFill>
-                            <a:srgbClr val="FFFFFF"/>
-                          </a:solidFill>
-                          <a:latin typeface="Adobe Clean"/>
-                          <a:cs typeface="Adobe Clean"/>
-                        </a:rPr>
-                        <a:t> </a:t>
-                      </a:r>
-                      <a:r>
-                        <a:rPr sz="900" spc="0">
-                          <a:solidFill>
-                            <a:srgbClr val="FFFFFF"/>
-                          </a:solidFill>
-                          <a:latin typeface="Adobe Clean"/>
-                          <a:cs typeface="Adobe Clean"/>
-                        </a:rPr>
-                        <a:t>Support</a:t>
+                        <a:t>商務支援</a:t>
                       </a:r>
                       <a:endParaRPr sz="900" spc="0">
                         <a:latin typeface="Adobe Clean"/>
@@ -6137,34 +6206,14 @@
                         </a:spcBef>
                       </a:pPr>
                       <a:r>
-                        <a:rPr sz="900" spc="0">
+                        <a:rPr lang="ja-jp" sz="900" spc="0">
                           <a:solidFill>
                             <a:srgbClr val="FFFFFF"/>
                           </a:solidFill>
                           <a:latin typeface="Adobe Clean"/>
                           <a:cs typeface="Adobe Clean"/>
                         </a:rPr>
-                        <a:t>Enterprise </a:t>
-                      </a:r>
-                      <a:r>
-                        <a:rPr lang="en-US" sz="900" spc="0">
-                          <a:solidFill>
-                            <a:srgbClr val="FFFFFF"/>
-                          </a:solidFill>
-                          <a:latin typeface="Adobe Clean"/>
-                          <a:cs typeface="Adobe Clean"/>
-                        </a:rPr>
-                        <a:t> </a:t>
-                      </a:r>
-                      <a:r>
-                        <a:rPr sz="900" spc="0">
-                          <a:solidFill>
-                            <a:srgbClr val="FFFFFF"/>
-                          </a:solidFill>
-                          <a:latin typeface="Adobe Clean"/>
-                          <a:cs typeface="Adobe Clean"/>
-                        </a:rPr>
-                        <a:t>Support</a:t>
+                        <a:t>企業支援</a:t>
                       </a:r>
                       <a:endParaRPr sz="900" spc="0">
                         <a:latin typeface="Adobe Clean"/>
@@ -6216,34 +6265,14 @@
                         </a:spcBef>
                       </a:pPr>
                       <a:r>
-                        <a:rPr sz="900" spc="0">
+                        <a:rPr lang="ja-jp" sz="900" spc="0">
                           <a:solidFill>
                             <a:srgbClr val="FFFFFF"/>
                           </a:solidFill>
                           <a:latin typeface="Adobe Clean"/>
                           <a:cs typeface="Adobe Clean"/>
                         </a:rPr>
-                        <a:t>Elite</a:t>
-                      </a:r>
-                      <a:r>
-                        <a:rPr lang="en-US" sz="900" spc="0">
-                          <a:solidFill>
-                            <a:srgbClr val="FFFFFF"/>
-                          </a:solidFill>
-                          <a:latin typeface="Adobe Clean"/>
-                          <a:cs typeface="Adobe Clean"/>
-                        </a:rPr>
-                        <a:t> </a:t>
-                      </a:r>
-                      <a:r>
-                        <a:rPr sz="900" spc="0">
-                          <a:solidFill>
-                            <a:srgbClr val="FFFFFF"/>
-                          </a:solidFill>
-                          <a:latin typeface="Adobe Clean"/>
-                          <a:cs typeface="Adobe Clean"/>
-                        </a:rPr>
-                        <a:t>Support</a:t>
+                        <a:t>菁英支援</a:t>
                       </a:r>
                       <a:endParaRPr sz="900" spc="0">
                         <a:latin typeface="Adobe Clean"/>
@@ -6302,14 +6331,14 @@
                         </a:spcBef>
                       </a:pPr>
                       <a:r>
-                        <a:rPr sz="900" b="1" spc="0" dirty="0">
+                        <a:rPr lang="ja-jp" sz="900" b="1" spc="0" dirty="0">
                           <a:solidFill>
                             <a:srgbClr val="020302"/>
                           </a:solidFill>
                           <a:latin typeface="Adobe Clean"/>
                           <a:cs typeface="Adobe Clean"/>
                         </a:rPr>
-                        <a:t>PRIORITY 1</a:t>
+                        <a:t>優先順序 1</a:t>
                       </a:r>
                       <a:endParaRPr sz="900" spc="0" dirty="0">
                         <a:latin typeface="Adobe Clean"/>
@@ -6326,14 +6355,54 @@
                         </a:spcBef>
                       </a:pPr>
                       <a:r>
-                        <a:rPr lang="en-US" sz="900" b="0" i="0" spc="0" dirty="0">
+                        <a:rPr lang="ja-jp" sz="900" b="0" i="0" spc="0" dirty="0">
                           <a:solidFill>
                             <a:srgbClr val="000000"/>
                           </a:solidFill>
                           <a:effectLst/>
                           <a:latin typeface="Adobe Clean Light" panose="020B0303020404020204" pitchFamily="34" charset="0"/>
                         </a:rPr>
-                        <a:t>Customer's production business functions are down or have significant data loss or service degradation and immediate attention is required to restore functionality and usability. </a:t>
+                        <a:t>客戶的生產業務功能已停止或發生重大資料遺失或服務降級</a:t>
+                      </a:r>
+                      <a:r>
+                        <a:rPr lang="ja-jp" sz="900" b="0" i="0" spc="0">
+                          <a:solidFill>
+                            <a:srgbClr val="000000"/>
+                          </a:solidFill>
+                          <a:effectLst/>
+                          <a:latin typeface="Adobe Clean Light" panose="020B0303020404020204" pitchFamily="34" charset="0"/>
+                        </a:rPr>
+                        <a:t>狀況</a:t>
+                      </a:r>
+                      <a:r>
+                        <a:rPr lang="ja-JP" altLang="en-US" sz="900" b="0" i="0" spc="0">
+                          <a:solidFill>
+                            <a:srgbClr val="000000"/>
+                          </a:solidFill>
+                          <a:effectLst/>
+                          <a:latin typeface="Adobe Clean Light" panose="020B0303020404020204" pitchFamily="34" charset="0"/>
+                        </a:rPr>
+                        <a:t>、</a:t>
+                      </a:r>
+                      <a:r>
+                        <a:rPr lang="ja-jp" sz="900" b="0" i="0" spc="0">
+                          <a:solidFill>
+                            <a:srgbClr val="000000"/>
+                          </a:solidFill>
+                          <a:effectLst/>
+                          <a:latin typeface="Adobe Clean Light" panose="020B0303020404020204" pitchFamily="34" charset="0"/>
+                        </a:rPr>
+                        <a:t>需</a:t>
+                      </a:r>
+                      <a:r>
+                        <a:rPr lang="ja-jp" sz="900" b="0" i="0" spc="0" dirty="0">
+                          <a:solidFill>
+                            <a:srgbClr val="000000"/>
+                          </a:solidFill>
+                          <a:effectLst/>
+                          <a:latin typeface="Adobe Clean Light" panose="020B0303020404020204" pitchFamily="34" charset="0"/>
+                        </a:rPr>
+                        <a:t>要立即關注以恢復功能與可用性。</a:t>
                       </a:r>
                       <a:endParaRPr sz="900" spc="0" dirty="0">
                         <a:latin typeface="AdobeClean-Light"/>
@@ -6385,14 +6454,14 @@
                         </a:spcBef>
                       </a:pPr>
                       <a:r>
-                        <a:rPr lang="en-US" sz="900" spc="0">
+                        <a:rPr lang="ja-jp" sz="900" spc="0">
                           <a:solidFill>
                             <a:srgbClr val="020302"/>
                           </a:solidFill>
                           <a:latin typeface="AdobeClean-Light"/>
                           <a:cs typeface="AdobeClean-Light"/>
                         </a:rPr>
-                        <a:t>24x7 /</a:t>
+                        <a:t>全年無休 / </a:t>
                       </a:r>
                     </a:p>
                     <a:p>
@@ -6405,14 +6474,14 @@
                         </a:spcBef>
                       </a:pPr>
                       <a:r>
-                        <a:rPr lang="en-US" sz="900" spc="0">
+                        <a:rPr lang="ja-jp" sz="900" spc="0">
                           <a:solidFill>
                             <a:srgbClr val="020302"/>
                           </a:solidFill>
                           <a:latin typeface="AdobeClean-Light"/>
                           <a:cs typeface="AdobeClean-Light"/>
                         </a:rPr>
-                        <a:t> 30 minutes</a:t>
+                        <a:t>30 分鐘</a:t>
                       </a:r>
                       <a:endParaRPr lang="en-US" sz="900" spc="0">
                         <a:latin typeface="AdobeClean-Light"/>
@@ -6462,10 +6531,34 @@
                         <a:tabLst/>
                       </a:pPr>
                       <a:r>
-                        <a:rPr lang="en-US" sz="1000" i="0" spc="0" dirty="0">
+                        <a:rPr lang="ja-jp" sz="1000" i="0" spc="0" dirty="0">
                           <a:latin typeface="AdobeClean-Light"/>
                         </a:rPr>
-                        <a:t>Customers who purchase a Support Plan for applicable Adobe Products and Services receive priority case routing that fast-tracks cases to Adobe’s Support Engineers. </a:t>
+                        <a:t>為適用的 Adobe 產品和服務購買支援計劃的客戶將獲得優先案例</a:t>
+                      </a:r>
+                      <a:r>
+                        <a:rPr lang="ja-jp" sz="1000" i="0" spc="0">
+                          <a:latin typeface="AdobeClean-Light"/>
+                        </a:rPr>
+                        <a:t>路由</a:t>
+                      </a:r>
+                      <a:r>
+                        <a:rPr lang="ja-JP" altLang="en-US" sz="1000" i="0" spc="0">
+                          <a:latin typeface="AdobeClean-Light"/>
+                        </a:rPr>
+                        <a:t>、</a:t>
+                      </a:r>
+                      <a:r>
+                        <a:rPr lang="ja-jp" sz="1000" i="0" spc="0">
+                          <a:latin typeface="AdobeClean-Light"/>
+                        </a:rPr>
+                        <a:t>以</a:t>
+                      </a:r>
+                      <a:r>
+                        <a:rPr lang="ja-jp" sz="1000" i="0" spc="0" dirty="0">
+                          <a:latin typeface="AdobeClean-Light"/>
+                        </a:rPr>
+                        <a:t>便快速將案例發送給 Adobe 的支援工程師。</a:t>
                       </a:r>
                     </a:p>
                   </a:txBody>
@@ -6513,7 +6606,7 @@
                         </a:spcBef>
                       </a:pPr>
                       <a:r>
-                        <a:rPr sz="900" spc="0">
+                        <a:rPr lang="ja-jp" sz="900" spc="0">
                           <a:solidFill>
                             <a:srgbClr val="020302"/>
                           </a:solidFill>
@@ -6523,59 +6616,7 @@
                           <a:latin typeface="AdobeClean-Light"/>
                           <a:cs typeface="AdobeClean-Light"/>
                         </a:rPr>
-                        <a:t>24x7 /  </a:t>
-                      </a:r>
-                      <a:r>
-                        <a:rPr lang="en-US" sz="900" spc="0">
-                          <a:solidFill>
-                            <a:srgbClr val="020302"/>
-                          </a:solidFill>
-                          <a:highlight>
-                            <a:srgbClr val="FFFF00"/>
-                          </a:highlight>
-                          <a:latin typeface="AdobeClean-Light"/>
-                          <a:cs typeface="AdobeClean-Light"/>
-                        </a:rPr>
-                        <a:t>         </a:t>
-                      </a:r>
-                      <a:r>
-                        <a:rPr sz="900" spc="0">
-                          <a:solidFill>
-                            <a:srgbClr val="020302"/>
-                          </a:solidFill>
-                          <a:highlight>
-                            <a:srgbClr val="FFFF00"/>
-                          </a:highlight>
-                          <a:latin typeface="AdobeClean-Light"/>
-                          <a:cs typeface="AdobeClean-Light"/>
-                        </a:rPr>
-                        <a:t>30</a:t>
-                      </a:r>
-                      <a:r>
-                        <a:rPr lang="en-US" sz="900" spc="0">
-                          <a:solidFill>
-                            <a:srgbClr val="020302"/>
-                          </a:solidFill>
-                          <a:highlight>
-                            <a:srgbClr val="FFFF00"/>
-                          </a:highlight>
-                          <a:latin typeface="AdobeClean-Light"/>
-                          <a:cs typeface="AdobeClean-Light"/>
-                        </a:rPr>
-                        <a:t> </a:t>
-                      </a:r>
-                      <a:r>
-                        <a:rPr sz="900" spc="0">
-                          <a:solidFill>
-                            <a:srgbClr val="020302"/>
-                          </a:solidFill>
-                          <a:highlight>
-                            <a:srgbClr val="FFFF00"/>
-                          </a:highlight>
-                          <a:latin typeface="AdobeClean-Light"/>
-                          <a:cs typeface="AdobeClean-Light"/>
-                        </a:rPr>
-                        <a:t>minutes</a:t>
+                        <a:t>全年無休 /           30 分鐘</a:t>
                       </a:r>
                       <a:endParaRPr sz="900" spc="0">
                         <a:highlight>
@@ -6627,7 +6668,7 @@
                         </a:spcBef>
                       </a:pPr>
                       <a:r>
-                        <a:rPr sz="900" spc="0">
+                        <a:rPr lang="ja-jp" sz="900" spc="0">
                           <a:solidFill>
                             <a:srgbClr val="020302"/>
                           </a:solidFill>
@@ -6637,59 +6678,7 @@
                           <a:latin typeface="AdobeClean-Light"/>
                           <a:cs typeface="AdobeClean-Light"/>
                         </a:rPr>
-                        <a:t>24x7 / </a:t>
-                      </a:r>
-                      <a:r>
-                        <a:rPr lang="en-US" sz="900" spc="0">
-                          <a:solidFill>
-                            <a:srgbClr val="020302"/>
-                          </a:solidFill>
-                          <a:highlight>
-                            <a:srgbClr val="FFFF00"/>
-                          </a:highlight>
-                          <a:latin typeface="AdobeClean-Light"/>
-                          <a:cs typeface="AdobeClean-Light"/>
-                        </a:rPr>
-                        <a:t>       </a:t>
-                      </a:r>
-                      <a:r>
-                        <a:rPr sz="900" spc="0">
-                          <a:solidFill>
-                            <a:srgbClr val="020302"/>
-                          </a:solidFill>
-                          <a:highlight>
-                            <a:srgbClr val="FFFF00"/>
-                          </a:highlight>
-                          <a:latin typeface="AdobeClean-Light"/>
-                          <a:cs typeface="AdobeClean-Light"/>
-                        </a:rPr>
-                        <a:t> 15</a:t>
-                      </a:r>
-                      <a:r>
-                        <a:rPr lang="en-US" sz="900" spc="0">
-                          <a:solidFill>
-                            <a:srgbClr val="020302"/>
-                          </a:solidFill>
-                          <a:highlight>
-                            <a:srgbClr val="FFFF00"/>
-                          </a:highlight>
-                          <a:latin typeface="AdobeClean-Light"/>
-                          <a:cs typeface="AdobeClean-Light"/>
-                        </a:rPr>
-                        <a:t> </a:t>
-                      </a:r>
-                      <a:r>
-                        <a:rPr sz="900" spc="0">
-                          <a:solidFill>
-                            <a:srgbClr val="020302"/>
-                          </a:solidFill>
-                          <a:highlight>
-                            <a:srgbClr val="FFFF00"/>
-                          </a:highlight>
-                          <a:latin typeface="AdobeClean-Light"/>
-                          <a:cs typeface="AdobeClean-Light"/>
-                        </a:rPr>
-                        <a:t>minutes</a:t>
+                        <a:t>全年無休 /         15 分鐘</a:t>
                       </a:r>
                       <a:endParaRPr sz="900" spc="0">
                         <a:highlight>
@@ -6748,16 +6737,16 @@
                         </a:spcBef>
                       </a:pPr>
                       <a:r>
-                        <a:rPr sz="900" b="1" spc="0">
+                        <a:rPr lang="ja-jp" sz="900" b="1" spc="0">
                           <a:solidFill>
                             <a:srgbClr val="020302"/>
                           </a:solidFill>
                           <a:latin typeface="Adobe Clean"/>
                           <a:cs typeface="Adobe Clean"/>
                         </a:rPr>
-                        <a:t>PRIORITY 2</a:t>
+                        <a:t>優先順序 2</a:t>
                       </a:r>
-                      <a:endParaRPr sz="900" spc="0">
+                      <a:endParaRPr sz="900" spc="0" dirty="0">
                         <a:latin typeface="Adobe Clean"/>
                         <a:cs typeface="Adobe Clean"/>
                       </a:endParaRPr>
@@ -6781,16 +6770,66 @@
                         <a:defRPr/>
                       </a:pPr>
                       <a:r>
-                        <a:rPr lang="en-US" sz="900" b="0" i="0" spc="0">
+                        <a:rPr lang="ja-jp" sz="900" b="0" i="0" spc="-30" baseline="0">
                           <a:solidFill>
                             <a:srgbClr val="000000"/>
                           </a:solidFill>
                           <a:effectLst/>
                           <a:latin typeface="Adobe Clean Light" panose="020B0303020404020204" pitchFamily="34" charset="0"/>
                         </a:rPr>
-                        <a:t>Customer's business functions have major service degradation or potential data loss, or a major feature is impacted. </a:t>
+                        <a:t>客戶的業務功能發生嚴重的服務降級狀況</a:t>
                       </a:r>
-                      <a:endParaRPr sz="900" b="0" i="0" spc="0">
+                      <a:r>
+                        <a:rPr lang="ja-JP" altLang="en-US" sz="900" b="0" i="0" spc="-30" baseline="0">
+                          <a:solidFill>
+                            <a:srgbClr val="000000"/>
+                          </a:solidFill>
+                          <a:effectLst/>
+                          <a:latin typeface="Adobe Clean Light" panose="020B0303020404020204" pitchFamily="34" charset="0"/>
+                        </a:rPr>
+                        <a:t>、</a:t>
+                      </a:r>
+                      <a:r>
+                        <a:rPr lang="ja-jp" sz="900" b="0" i="0" spc="-30" baseline="0">
+                          <a:solidFill>
+                            <a:srgbClr val="000000"/>
+                          </a:solidFill>
+                          <a:effectLst/>
+                          <a:latin typeface="Adobe Clean Light" panose="020B0303020404020204" pitchFamily="34" charset="0"/>
+                        </a:rPr>
+                        <a:t>或是可能發生資料遺失</a:t>
+                      </a:r>
+                      <a:r>
+                        <a:rPr lang="ja-JP" altLang="en-US" sz="900" b="0" i="0" spc="-30" baseline="0">
+                          <a:solidFill>
+                            <a:srgbClr val="000000"/>
+                          </a:solidFill>
+                          <a:effectLst/>
+                          <a:latin typeface="Adobe Clean Light" panose="020B0303020404020204" pitchFamily="34" charset="0"/>
+                        </a:rPr>
+                        <a:t>、</a:t>
+                      </a:r>
+                      <a:r>
+                        <a:rPr lang="ja-jp" sz="900" b="0" i="0" spc="-30" baseline="0">
+                          <a:solidFill>
+                            <a:srgbClr val="000000"/>
+                          </a:solidFill>
+                          <a:effectLst/>
+                          <a:latin typeface="Adobe Clean Light" panose="020B0303020404020204" pitchFamily="34" charset="0"/>
+                        </a:rPr>
+                        <a:t>或是主要功能受到了影響</a:t>
+                      </a:r>
+                      <a:r>
+                        <a:rPr lang="ja-jp" sz="900" b="0" i="0" spc="-20" baseline="0">
+                          <a:solidFill>
+                            <a:srgbClr val="000000"/>
+                          </a:solidFill>
+                          <a:effectLst/>
+                          <a:latin typeface="Adobe Clean Light" panose="020B0303020404020204" pitchFamily="34" charset="0"/>
+                        </a:rPr>
+                        <a:t>。</a:t>
+                      </a:r>
+                      <a:endParaRPr sz="900" b="0" i="0" spc="-20" baseline="0" dirty="0">
                         <a:latin typeface="Adobe Clean Light" panose="020B0303020404020204" pitchFamily="34" charset="0"/>
                         <a:cs typeface="AdobeClean-Light"/>
                       </a:endParaRPr>
@@ -6840,14 +6879,34 @@
                         </a:spcBef>
                       </a:pPr>
                       <a:r>
-                        <a:rPr lang="en-US" sz="900" spc="0">
+                        <a:rPr lang="ja-jp" sz="900" spc="-20" baseline="0">
                           <a:solidFill>
                             <a:srgbClr val="020302"/>
                           </a:solidFill>
                           <a:latin typeface="AdobeClean-Light"/>
                           <a:cs typeface="AdobeClean-Light"/>
                         </a:rPr>
-                        <a:t>      24x7 /</a:t>
+                        <a:t>      全年無休</a:t>
+                      </a:r>
+                      <a:r>
+                        <a:rPr lang="en-US" altLang="ja-JP" sz="900" spc="-20" baseline="0" dirty="0">
+                          <a:solidFill>
+                            <a:srgbClr val="020302"/>
+                          </a:solidFill>
+                          <a:latin typeface="AdobeClean-Light"/>
+                          <a:cs typeface="AdobeClean-Light"/>
+                        </a:rPr>
+                        <a:t> </a:t>
+                      </a:r>
+                      <a:r>
+                        <a:rPr lang="ja-jp" sz="900" spc="-20" baseline="0">
+                          <a:solidFill>
+                            <a:srgbClr val="020302"/>
+                          </a:solidFill>
+                          <a:latin typeface="AdobeClean-Light"/>
+                          <a:cs typeface="AdobeClean-Light"/>
+                        </a:rPr>
+                        <a:t>/</a:t>
                       </a:r>
                     </a:p>
                     <a:p>
@@ -6860,16 +6919,16 @@
                         </a:spcBef>
                       </a:pPr>
                       <a:r>
-                        <a:rPr lang="en-US" sz="900" spc="0">
+                        <a:rPr lang="ja-jp" sz="900" spc="-20" baseline="0">
                           <a:solidFill>
                             <a:srgbClr val="020302"/>
                           </a:solidFill>
                           <a:latin typeface="AdobeClean-Light"/>
                           <a:cs typeface="AdobeClean-Light"/>
                         </a:rPr>
-                        <a:t>     1 hour</a:t>
+                        <a:t>     1 小時</a:t>
                       </a:r>
-                      <a:endParaRPr lang="en-US" sz="900" spc="0">
+                      <a:endParaRPr lang="en-US" sz="900" spc="-20" baseline="0" dirty="0">
                         <a:latin typeface="AdobeClean-Light"/>
                         <a:cs typeface="AdobeClean-Light"/>
                       </a:endParaRPr>
@@ -7073,26 +7132,16 @@
                         </a:spcBef>
                       </a:pPr>
                       <a:r>
-                        <a:rPr sz="900" b="1" spc="0">
+                        <a:rPr lang="ja-jp" sz="900" b="1" spc="0">
                           <a:solidFill>
                             <a:srgbClr val="020302"/>
                           </a:solidFill>
                           <a:latin typeface="Adobe Clean"/>
                           <a:cs typeface="Adobe Clean"/>
                         </a:rPr>
-                        <a:t>PRIORITY</a:t>
+                        <a:t>優先順序 3</a:t>
                       </a:r>
-                      <a:r>
-                        <a:rPr lang="en-US" sz="900" b="1" spc="0">
-                          <a:solidFill>
-                            <a:srgbClr val="020302"/>
-                          </a:solidFill>
-                          <a:latin typeface="Adobe Clean"/>
-                          <a:cs typeface="Adobe Clean"/>
-                        </a:rPr>
-                        <a:t> 3</a:t>
-                      </a:r>
-                      <a:endParaRPr lang="en-US" sz="900" spc="0">
+                      <a:endParaRPr lang="en-US" sz="900" spc="0" dirty="0">
                         <a:latin typeface="Adobe Clean"/>
                         <a:cs typeface="Adobe Clean"/>
                       </a:endParaRPr>
@@ -7116,7 +7165,7 @@
                         <a:defRPr/>
                       </a:pPr>
                       <a:r>
-                        <a:rPr kumimoji="0" lang="en-US" sz="900" b="0" i="0" u="none" strike="noStrike" kern="1200" cap="none" spc="0" normalizeH="0" baseline="0" noProof="0">
+                        <a:rPr kumimoji="0" lang="ja-jp" sz="900" b="0" i="0" u="none" strike="noStrike" kern="1200" cap="none" spc="0" normalizeH="0" baseline="0" noProof="0">
                           <a:ln>
                             <a:noFill/>
                           </a:ln>
@@ -7130,9 +7179,43 @@
                           <a:ea typeface="+mn-ea"/>
                           <a:cs typeface="+mn-cs"/>
                         </a:rPr>
-                        <a:t>Customer's business functions have minor service degradation but there exists a solution/workaround allowing business functions to continue normally. </a:t>
+                        <a:t>客戶的業務功能發生了輕微服務降級狀況</a:t>
                       </a:r>
-                      <a:endParaRPr lang="en-US" sz="900" b="0" i="0" spc="0">
+                      <a:r>
+                        <a:rPr kumimoji="0" lang="ja-JP" altLang="en-US" sz="900" b="0" i="0" u="none" strike="noStrike" kern="1200" cap="none" spc="0" normalizeH="0" baseline="0" noProof="0">
+                          <a:ln>
+                            <a:noFill/>
+                          </a:ln>
+                          <a:solidFill>
+                            <a:srgbClr val="000000"/>
+                          </a:solidFill>
+                          <a:effectLst/>
+                          <a:uLnTx/>
+                          <a:uFillTx/>
+                          <a:latin typeface="Adobe Clean Light" panose="020B0303020404020204" pitchFamily="34" charset="0"/>
+                          <a:ea typeface="+mn-ea"/>
+                          <a:cs typeface="+mn-cs"/>
+                        </a:rPr>
+                        <a:t>、</a:t>
+                      </a:r>
+                      <a:r>
+                        <a:rPr kumimoji="0" lang="ja-jp" sz="900" b="0" i="0" u="none" strike="noStrike" kern="1200" cap="none" spc="0" normalizeH="0" baseline="0" noProof="0">
+                          <a:ln>
+                            <a:noFill/>
+                          </a:ln>
+                          <a:solidFill>
+                            <a:srgbClr val="000000"/>
+                          </a:solidFill>
+                          <a:effectLst/>
+                          <a:uLnTx/>
+                          <a:uFillTx/>
+                          <a:latin typeface="Adobe Clean Light" panose="020B0303020404020204" pitchFamily="34" charset="0"/>
+                          <a:ea typeface="+mn-ea"/>
+                          <a:cs typeface="+mn-cs"/>
+                        </a:rPr>
+                        <a:t>但有解決/變通方法讓業務功能得以繼續正常運作。</a:t>
+                      </a:r>
+                      <a:endParaRPr lang="en-US" sz="900" b="0" i="0" spc="0" dirty="0">
                         <a:latin typeface="Adobe Clean Light" panose="020B0303020404020204" pitchFamily="34" charset="0"/>
                         <a:cs typeface="AdobeClean-Light"/>
                       </a:endParaRPr>
@@ -7185,14 +7268,14 @@
                         </a:tabLst>
                       </a:pPr>
                       <a:r>
-                        <a:rPr lang="en-US" sz="900" spc="0">
+                        <a:rPr lang="ja-jp" sz="900" spc="0">
                           <a:solidFill>
                             <a:srgbClr val="020302"/>
                           </a:solidFill>
                           <a:latin typeface="AdobeClean-Light"/>
                           <a:cs typeface="AdobeClean-Light"/>
                         </a:rPr>
-                        <a:t>Business day /   </a:t>
+                        <a:t>營業日 / </a:t>
                       </a:r>
                     </a:p>
                     <a:p>
@@ -7205,14 +7288,14 @@
                         </a:spcBef>
                       </a:pPr>
                       <a:r>
-                        <a:rPr lang="en-US" sz="900" spc="0">
+                        <a:rPr lang="ja-jp" sz="900" spc="0">
                           <a:solidFill>
                             <a:srgbClr val="020302"/>
                           </a:solidFill>
                           <a:latin typeface="AdobeClean-Light"/>
                           <a:cs typeface="AdobeClean-Light"/>
                         </a:rPr>
-                        <a:t>4 hours</a:t>
+                        <a:t>4 小時</a:t>
                       </a:r>
                       <a:endParaRPr lang="en-US" sz="900" spc="0">
                         <a:latin typeface="AdobeClean-Light"/>
@@ -7418,14 +7501,14 @@
                         </a:spcBef>
                       </a:pPr>
                       <a:r>
-                        <a:rPr sz="900" b="1" spc="0">
+                        <a:rPr lang="ja-jp" sz="900" b="1" spc="0">
                           <a:solidFill>
                             <a:srgbClr val="020302"/>
                           </a:solidFill>
                           <a:latin typeface="Adobe Clean"/>
                           <a:cs typeface="Adobe Clean"/>
                         </a:rPr>
-                        <a:t>PRIORITY 4</a:t>
+                        <a:t>優先順序 4</a:t>
                       </a:r>
                       <a:endParaRPr sz="900" spc="0">
                         <a:latin typeface="Adobe Clean"/>
@@ -7451,14 +7534,14 @@
                         <a:defRPr/>
                       </a:pPr>
                       <a:r>
-                        <a:rPr lang="en-US" sz="900" b="0" i="0" spc="0">
+                        <a:rPr lang="ja-jp" sz="900" b="0" i="0" spc="0">
                           <a:solidFill>
                             <a:srgbClr val="000000"/>
                           </a:solidFill>
                           <a:effectLst/>
                           <a:latin typeface="Adobe Clean Light" panose="020B0303020404020204" pitchFamily="34" charset="0"/>
                         </a:rPr>
-                        <a:t>General question regarding current product functionality or an enhancement request.</a:t>
+                        <a:t>有關目前產品功能或增強要求的一般性問題。</a:t>
                       </a:r>
                       <a:endParaRPr sz="900" b="0" i="0" spc="0">
                         <a:latin typeface="Adobe Clean Light" panose="020B0303020404020204" pitchFamily="34" charset="0"/>
@@ -7513,14 +7596,14 @@
                         </a:tabLst>
                       </a:pPr>
                       <a:r>
-                        <a:rPr lang="en-US" sz="900" spc="0" dirty="0">
+                        <a:rPr lang="ja-jp" sz="900" spc="0" dirty="0">
                           <a:solidFill>
                             <a:srgbClr val="020302"/>
                           </a:solidFill>
                           <a:latin typeface="AdobeClean-Light"/>
                           <a:cs typeface="AdobeClean-Light"/>
                         </a:rPr>
-                        <a:t>  Business day /   </a:t>
+                        <a:t>營業日 / </a:t>
                       </a:r>
                     </a:p>
                     <a:p>
@@ -7533,14 +7616,14 @@
                         </a:spcBef>
                       </a:pPr>
                       <a:r>
-                        <a:rPr lang="en-US" sz="900" spc="0" dirty="0">
+                        <a:rPr lang="ja-jp" sz="900" spc="0" dirty="0">
                           <a:solidFill>
                             <a:srgbClr val="020302"/>
                           </a:solidFill>
                           <a:latin typeface="AdobeClean-Light"/>
                           <a:cs typeface="AdobeClean-Light"/>
                         </a:rPr>
-                        <a:t>1 day </a:t>
+                        <a:t>1 天</a:t>
                       </a:r>
                       <a:endParaRPr lang="en-US" sz="900" spc="0" dirty="0">
                         <a:latin typeface="AdobeClean-Light"/>
@@ -7864,36 +7947,36 @@
               </a:spcBef>
             </a:pPr>
             <a:r>
-              <a:rPr lang="en-US" spc="-10" dirty="0"/>
+              <a:rPr lang="ja-jp" spc="-10" dirty="0"/>
               <a:t>©202</a:t>
             </a:r>
             <a:r>
-              <a:rPr lang="en-US" spc="-5" dirty="0"/>
-              <a:t>2 Adobe. All</a:t>
-            </a:r>
-            <a:r>
-              <a:rPr lang="en-US" spc="-10" dirty="0"/>
+              <a:rPr lang="ja-jp" spc="-5" dirty="0"/>
+              <a:t>2 Adobe.All</a:t>
+            </a:r>
+            <a:r>
+              <a:rPr lang="ja-jp" spc="-10" dirty="0"/>
               <a:t> Rights</a:t>
             </a:r>
             <a:r>
-              <a:rPr lang="en-US" spc="-5" dirty="0"/>
+              <a:rPr lang="ja-jp" spc="-5" dirty="0"/>
               <a:t> </a:t>
             </a:r>
             <a:r>
-              <a:rPr lang="en-US" spc="-10" dirty="0"/>
-              <a:t>Reserved.</a:t>
-            </a:r>
-            <a:r>
-              <a:rPr lang="en-US" spc="-5" dirty="0"/>
-              <a:t> Adobe</a:t>
-            </a:r>
-            <a:r>
-              <a:rPr lang="en-US" spc="60" dirty="0"/>
+              <a:rPr lang="ja-jp" spc="-10" dirty="0"/>
+              <a:t>Reserved。</a:t>
+            </a:r>
+            <a:r>
+              <a:rPr lang="ja-jp" spc="-5" dirty="0"/>
+              <a:t>Adobe</a:t>
+            </a:r>
+            <a:r>
+              <a:rPr lang="ja-jp" spc="60" dirty="0"/>
               <a:t> </a:t>
             </a:r>
             <a:r>
-              <a:rPr lang="en-US" spc="-10" dirty="0"/>
-              <a:t>Confidential.</a:t>
+              <a:rPr lang="ja-jp" spc="-10" dirty="0"/>
+              <a:t>機密資訊。</a:t>
             </a:r>
           </a:p>
         </p:txBody>
@@ -8034,35 +8117,6 @@
       </p:grpSp>
       <p:sp>
         <p:nvSpPr>
-          <p:cNvPr id="36" name="object 36"/>
-          <p:cNvSpPr/>
-          <p:nvPr/>
-        </p:nvSpPr>
-        <p:spPr>
-          <a:xfrm>
-            <a:off x="2215194" y="596295"/>
-            <a:ext cx="355091" cy="355091"/>
-          </a:xfrm>
-          <a:prstGeom prst="rect">
-            <a:avLst/>
-          </a:prstGeom>
-          <a:blipFill>
-            <a:blip r:embed="rId3" cstate="print"/>
-            <a:stretch>
-              <a:fillRect/>
-            </a:stretch>
-          </a:blipFill>
-        </p:spPr>
-        <p:txBody>
-          <a:bodyPr wrap="square" lIns="0" tIns="0" rIns="0" bIns="0" rtlCol="0"/>
-          <a:lstStyle/>
-          <a:p>
-            <a:endParaRPr/>
-          </a:p>
-        </p:txBody>
-      </p:sp>
-      <p:sp>
-        <p:nvSpPr>
           <p:cNvPr id="39" name="object 39"/>
           <p:cNvSpPr txBox="1"/>
           <p:nvPr/>
@@ -8070,7 +8124,7 @@
         <p:spPr>
           <a:xfrm>
             <a:off x="371909" y="1607065"/>
-            <a:ext cx="2148840" cy="738536"/>
+            <a:ext cx="2148840" cy="562655"/>
           </a:xfrm>
           <a:prstGeom prst="rect">
             <a:avLst/>
@@ -8091,10 +8145,58 @@
               </a:spcBef>
             </a:pPr>
             <a:r>
-              <a:rPr lang="en-US" sz="1000" dirty="0">
+              <a:rPr lang="ja-jp" sz="1000" dirty="0">
                 <a:latin typeface="Adobe Clean Light" panose="020B0303020404020204" pitchFamily="34" charset="0"/>
               </a:rPr>
-              <a:t>An assigned Account Support Lead to monitor case progress and function as your escalation point and internal advocate within Adobe Support.</a:t>
+              <a:t>指定的帳戶支援負</a:t>
+            </a:r>
+            <a:r>
+              <a:rPr lang="ja-jp" sz="1000">
+                <a:latin typeface="Adobe Clean Light" panose="020B0303020404020204" pitchFamily="34" charset="0"/>
+              </a:rPr>
+              <a:t>責人</a:t>
+            </a:r>
+            <a:r>
+              <a:rPr lang="ja-JP" altLang="en-US" sz="1000">
+                <a:latin typeface="Adobe Clean Light" panose="020B0303020404020204" pitchFamily="34" charset="0"/>
+              </a:rPr>
+              <a:t>、</a:t>
+            </a:r>
+            <a:r>
+              <a:rPr lang="ja-jp" sz="1000">
+                <a:latin typeface="Adobe Clean Light" panose="020B0303020404020204" pitchFamily="34" charset="0"/>
+              </a:rPr>
+              <a:t>負</a:t>
+            </a:r>
+            <a:r>
+              <a:rPr lang="ja-jp" sz="1000" dirty="0">
+                <a:latin typeface="Adobe Clean Light" panose="020B0303020404020204" pitchFamily="34" charset="0"/>
+              </a:rPr>
+              <a:t>責監控案件</a:t>
+            </a:r>
+            <a:r>
+              <a:rPr lang="ja-jp" sz="1000">
+                <a:latin typeface="Adobe Clean Light" panose="020B0303020404020204" pitchFamily="34" charset="0"/>
+              </a:rPr>
+              <a:t>進度</a:t>
+            </a:r>
+            <a:r>
+              <a:rPr lang="ja-JP" altLang="en-US" sz="1000">
+                <a:latin typeface="Adobe Clean Light" panose="020B0303020404020204" pitchFamily="34" charset="0"/>
+              </a:rPr>
+              <a:t>、</a:t>
+            </a:r>
+            <a:r>
+              <a:rPr lang="ja-jp" sz="1000">
+                <a:latin typeface="Adobe Clean Light" panose="020B0303020404020204" pitchFamily="34" charset="0"/>
+              </a:rPr>
+              <a:t>並</a:t>
+            </a:r>
+            <a:r>
+              <a:rPr lang="ja-jp" sz="1000" dirty="0">
+                <a:latin typeface="Adobe Clean Light" panose="020B0303020404020204" pitchFamily="34" charset="0"/>
+              </a:rPr>
+              <a:t>充當 Adobe 支援團隊內的向上呈報點與內部宣傳者。</a:t>
             </a:r>
             <a:endParaRPr lang="en-US" sz="1000" dirty="0">
               <a:latin typeface="Adobe Clean Light" panose="020B0303020404020204" pitchFamily="34" charset="0"/>
@@ -8118,7 +8220,7 @@
             <a:avLst/>
           </a:prstGeom>
           <a:blipFill>
-            <a:blip r:embed="rId4" cstate="print"/>
+            <a:blip r:embed="rId3" cstate="print"/>
             <a:stretch>
               <a:fillRect/>
             </a:stretch>
@@ -8170,13 +8272,13 @@
               </a:spcAft>
             </a:pPr>
             <a:r>
-              <a:rPr lang="en-US" sz="1200" b="1" spc="-10" dirty="0">
+              <a:rPr lang="ja-jp" sz="1200" b="1" spc="-10" dirty="0">
                 <a:solidFill>
                   <a:srgbClr val="020302"/>
                 </a:solidFill>
                 <a:latin typeface="Adobe Clean" panose="020B0503020404020204" pitchFamily="34" charset="0"/>
               </a:rPr>
-              <a:t>Account Support Lead</a:t>
+              <a:t>帳戶支援負責人</a:t>
             </a:r>
           </a:p>
         </p:txBody>
@@ -8265,14 +8367,14 @@
               </a:spcBef>
             </a:pPr>
             <a:r>
-              <a:rPr lang="en-US" sz="1400" b="1" spc="-10" dirty="0">
+              <a:rPr lang="ja-jp" sz="1400" b="1" spc="-10" dirty="0">
                 <a:solidFill>
                   <a:srgbClr val="020302"/>
                 </a:solidFill>
                 <a:latin typeface="Adobe Clean"/>
                 <a:cs typeface="Adobe Clean"/>
               </a:rPr>
-              <a:t>Standard Support Features</a:t>
+              <a:t>標準支援特色</a:t>
             </a:r>
             <a:endParaRPr lang="en-US" sz="1400" dirty="0">
               <a:latin typeface="Adobe Clean"/>
@@ -8365,14 +8467,14 @@
               </a:spcBef>
             </a:pPr>
             <a:r>
-              <a:rPr lang="en-US" sz="1400" b="1" spc="-10" dirty="0">
+              <a:rPr lang="ja-jp" sz="1400" b="1" spc="-10" dirty="0">
                 <a:solidFill>
                   <a:srgbClr val="020302"/>
                 </a:solidFill>
                 <a:latin typeface="Adobe Clean"/>
                 <a:cs typeface="Adobe Clean"/>
               </a:rPr>
-              <a:t>Business Support Features</a:t>
+              <a:t>業務支援特色</a:t>
             </a:r>
             <a:endParaRPr lang="en-US" sz="1400" dirty="0">
               <a:latin typeface="Adobe Clean"/>
@@ -8396,7 +8498,7 @@
         <p:spPr>
           <a:xfrm>
             <a:off x="2793313" y="1593956"/>
-            <a:ext cx="2148840" cy="497572"/>
+            <a:ext cx="2148840" cy="343684"/>
           </a:xfrm>
           <a:prstGeom prst="rect">
             <a:avLst/>
@@ -8414,11 +8516,39 @@
               </a:spcBef>
             </a:pPr>
             <a:r>
-              <a:rPr lang="en-US" sz="1000" dirty="0">
+              <a:rPr lang="ja-jp" sz="1000" dirty="0">
                 <a:latin typeface="Adobe Clean Light" panose="020B0303020404020204" pitchFamily="34" charset="0"/>
                 <a:cs typeface="AdobeClean-Light"/>
               </a:rPr>
-              <a:t>Receive prioritized routing to ensure faster connection to more senior support resources on submitted cases. </a:t>
+              <a:t>獲得優先</a:t>
+            </a:r>
+            <a:r>
+              <a:rPr lang="ja-jp" sz="1000">
+                <a:latin typeface="Adobe Clean Light" panose="020B0303020404020204" pitchFamily="34" charset="0"/>
+                <a:cs typeface="AdobeClean-Light"/>
+              </a:rPr>
+              <a:t>路由</a:t>
+            </a:r>
+            <a:r>
+              <a:rPr lang="ja-JP" altLang="en-US" sz="1000">
+                <a:latin typeface="Adobe Clean Light" panose="020B0303020404020204" pitchFamily="34" charset="0"/>
+                <a:cs typeface="AdobeClean-Light"/>
+              </a:rPr>
+              <a:t>、</a:t>
+            </a:r>
+            <a:r>
+              <a:rPr lang="ja-jp" sz="1000">
+                <a:latin typeface="Adobe Clean Light" panose="020B0303020404020204" pitchFamily="34" charset="0"/>
+                <a:cs typeface="AdobeClean-Light"/>
+              </a:rPr>
+              <a:t>以</a:t>
+            </a:r>
+            <a:r>
+              <a:rPr lang="ja-jp" sz="1000" dirty="0">
+                <a:latin typeface="Adobe Clean Light" panose="020B0303020404020204" pitchFamily="34" charset="0"/>
+                <a:cs typeface="AdobeClean-Light"/>
+              </a:rPr>
+              <a:t>確保根據提交案例更快聯繫到更資深的支援資源。</a:t>
             </a:r>
           </a:p>
         </p:txBody>
@@ -8461,13 +8591,13 @@
               </a:spcAft>
             </a:pPr>
             <a:r>
-              <a:rPr lang="en-US" sz="1200" b="1" spc="-10" dirty="0">
+              <a:rPr lang="ja-jp" sz="1200" b="1" spc="-10" dirty="0">
                 <a:solidFill>
                   <a:srgbClr val="020302"/>
                 </a:solidFill>
                 <a:latin typeface="Adobe Clean" panose="020B0503020404020204" pitchFamily="34" charset="0"/>
               </a:rPr>
-              <a:t>Priority Case Routing</a:t>
+              <a:t>優先案例路由</a:t>
             </a:r>
           </a:p>
         </p:txBody>
@@ -8487,7 +8617,7 @@
         <p:spPr>
           <a:xfrm>
             <a:off x="5346216" y="1596236"/>
-            <a:ext cx="2148840" cy="651460"/>
+            <a:ext cx="2148840" cy="497572"/>
           </a:xfrm>
           <a:prstGeom prst="rect">
             <a:avLst/>
@@ -8508,10 +8638,58 @@
               </a:spcBef>
             </a:pPr>
             <a:r>
-              <a:rPr lang="en-US" sz="1000" dirty="0">
+              <a:rPr lang="ja-jp" sz="1000" dirty="0">
                 <a:latin typeface="Adobe Clean Light" panose="020B0303020404020204" pitchFamily="34" charset="0"/>
               </a:rPr>
-              <a:t>A designated point of contact within Adobe who can provide escalation assistance, regular updates and ensure priority is given to your most critical open support requests.</a:t>
+              <a:t>Adobe 內的指定聯</a:t>
+            </a:r>
+            <a:r>
+              <a:rPr lang="ja-jp" sz="1000">
+                <a:latin typeface="Adobe Clean Light" panose="020B0303020404020204" pitchFamily="34" charset="0"/>
+              </a:rPr>
+              <a:t>絡人</a:t>
+            </a:r>
+            <a:r>
+              <a:rPr lang="ja-JP" altLang="en-US" sz="1000">
+                <a:latin typeface="Adobe Clean Light" panose="020B0303020404020204" pitchFamily="34" charset="0"/>
+              </a:rPr>
+              <a:t>、</a:t>
+            </a:r>
+            <a:r>
+              <a:rPr lang="ja-jp" sz="1000">
+                <a:latin typeface="Adobe Clean Light" panose="020B0303020404020204" pitchFamily="34" charset="0"/>
+              </a:rPr>
+              <a:t>他</a:t>
+            </a:r>
+            <a:r>
+              <a:rPr lang="ja-jp" sz="1000" dirty="0">
+                <a:latin typeface="Adobe Clean Light" panose="020B0303020404020204" pitchFamily="34" charset="0"/>
+              </a:rPr>
+              <a:t>可提供向上呈報協助、定期</a:t>
+            </a:r>
+            <a:r>
+              <a:rPr lang="ja-jp" sz="1000">
+                <a:latin typeface="Adobe Clean Light" panose="020B0303020404020204" pitchFamily="34" charset="0"/>
+              </a:rPr>
+              <a:t>更新</a:t>
+            </a:r>
+            <a:r>
+              <a:rPr lang="ja-JP" altLang="en-US" sz="1000">
+                <a:latin typeface="Adobe Clean Light" panose="020B0303020404020204" pitchFamily="34" charset="0"/>
+              </a:rPr>
+              <a:t>、</a:t>
+            </a:r>
+            <a:r>
+              <a:rPr lang="ja-jp" sz="1000">
+                <a:latin typeface="Adobe Clean Light" panose="020B0303020404020204" pitchFamily="34" charset="0"/>
+              </a:rPr>
+              <a:t>並</a:t>
+            </a:r>
+            <a:r>
+              <a:rPr lang="ja-jp" sz="1000" dirty="0">
+                <a:latin typeface="Adobe Clean Light" panose="020B0303020404020204" pitchFamily="34" charset="0"/>
+              </a:rPr>
+              <a:t>確保優先處理您最緊急且未解決的支援請求。</a:t>
             </a:r>
             <a:endParaRPr lang="en-US" sz="1000" dirty="0">
               <a:latin typeface="Adobe Clean Light" panose="020B0303020404020204" pitchFamily="34" charset="0"/>
@@ -8558,13 +8736,13 @@
               </a:spcAft>
             </a:pPr>
             <a:r>
-              <a:rPr lang="en-US" sz="1200" b="1" spc="-10" dirty="0">
+              <a:rPr lang="ja-jp" sz="1200" b="1" spc="-10" dirty="0">
                 <a:solidFill>
                   <a:srgbClr val="020302"/>
                 </a:solidFill>
                 <a:latin typeface="Adobe Clean" panose="020B0503020404020204" pitchFamily="34" charset="0"/>
               </a:rPr>
-              <a:t>Escalation Management</a:t>
+              <a:t>向上呈報管理</a:t>
             </a:r>
           </a:p>
         </p:txBody>
@@ -8598,10 +8776,10 @@
           <a:lstStyle/>
           <a:p>
             <a:r>
-              <a:rPr lang="en-US" sz="1200" b="1" dirty="0">
+              <a:rPr lang="ja-jp" sz="1200" b="1" dirty="0">
                 <a:latin typeface="Adobe Clean" panose="020B0503020404020204" pitchFamily="34" charset="0"/>
               </a:rPr>
-              <a:t>Accelerated Issue Prioritization</a:t>
+              <a:t>加速問題優先順序</a:t>
             </a:r>
           </a:p>
         </p:txBody>
@@ -8621,7 +8799,7 @@
         <p:spPr>
           <a:xfrm>
             <a:off x="2850511" y="3943707"/>
-            <a:ext cx="2148840" cy="497572"/>
+            <a:ext cx="2148840" cy="343684"/>
           </a:xfrm>
           <a:prstGeom prst="rect">
             <a:avLst/>
@@ -8640,11 +8818,39 @@
               <a:defRPr/>
             </a:pPr>
             <a:r>
-              <a:rPr lang="en-US" sz="1000" dirty="0">
+              <a:rPr lang="ja-jp" sz="1000" dirty="0">
                 <a:latin typeface="Adobe Clean Light" panose="020B0303020404020204" pitchFamily="34" charset="0"/>
                 <a:cs typeface="Adobe Clean Light"/>
               </a:rPr>
-              <a:t>Receive higher prioritization on support case work through facilitated engagement with Engineering.</a:t>
+              <a:t>透過促進與工程部門</a:t>
+            </a:r>
+            <a:r>
+              <a:rPr lang="ja-jp" sz="1000">
+                <a:latin typeface="Adobe Clean Light" panose="020B0303020404020204" pitchFamily="34" charset="0"/>
+                <a:cs typeface="Adobe Clean Light"/>
+              </a:rPr>
+              <a:t>互動</a:t>
+            </a:r>
+            <a:r>
+              <a:rPr lang="ja-JP" altLang="en-US" sz="1000">
+                <a:latin typeface="Adobe Clean Light" panose="020B0303020404020204" pitchFamily="34" charset="0"/>
+                <a:cs typeface="Adobe Clean Light"/>
+              </a:rPr>
+              <a:t>、</a:t>
+            </a:r>
+            <a:r>
+              <a:rPr lang="ja-jp" sz="1000">
+                <a:latin typeface="Adobe Clean Light" panose="020B0303020404020204" pitchFamily="34" charset="0"/>
+                <a:cs typeface="Adobe Clean Light"/>
+              </a:rPr>
+              <a:t>獲</a:t>
+            </a:r>
+            <a:r>
+              <a:rPr lang="ja-jp" sz="1000" dirty="0">
+                <a:latin typeface="Adobe Clean Light" panose="020B0303020404020204" pitchFamily="34" charset="0"/>
+                <a:cs typeface="Adobe Clean Light"/>
+              </a:rPr>
+              <a:t>得支援案例工作的更高優先順序。</a:t>
             </a:r>
           </a:p>
         </p:txBody>
@@ -8663,7 +8869,7 @@
         </p:nvSpPr>
         <p:spPr>
           <a:xfrm rot="5400000" flipH="1">
-            <a:off x="3833255" y="151975"/>
+            <a:off x="3856306" y="159495"/>
             <a:ext cx="45719" cy="5577840"/>
           </a:xfrm>
           <a:custGeom>
@@ -8718,7 +8924,7 @@
         </p:nvSpPr>
         <p:spPr>
           <a:xfrm rot="5400000" flipH="1">
-            <a:off x="3863232" y="5080580"/>
+            <a:off x="3833254" y="5088389"/>
             <a:ext cx="45719" cy="5577840"/>
           </a:xfrm>
           <a:custGeom>
@@ -8797,12 +9003,12 @@
               </a:spcAft>
             </a:pPr>
             <a:r>
-              <a:rPr lang="en-US" sz="1200" b="1" dirty="0">
+              <a:rPr lang="ja-jp" sz="1200" b="1" dirty="0">
                 <a:latin typeface="Adobe Clean" panose="020B0503020404020204" pitchFamily="34" charset="0"/>
                 <a:ea typeface="Open Sans" pitchFamily="34" charset="0"/>
                 <a:cs typeface="Open Sans" pitchFamily="34" charset="0"/>
               </a:rPr>
-              <a:t>Community Forums</a:t>
+              <a:t>社群論壇</a:t>
             </a:r>
           </a:p>
         </p:txBody>
@@ -8822,7 +9028,7 @@
         <p:spPr>
           <a:xfrm>
             <a:off x="441718" y="6777939"/>
-            <a:ext cx="2148840" cy="959237"/>
+            <a:ext cx="2148840" cy="651460"/>
           </a:xfrm>
           <a:prstGeom prst="rect">
             <a:avLst/>
@@ -8835,13 +9041,49 @@
           <a:lstStyle/>
           <a:p>
             <a:r>
-              <a:rPr lang="en-US" sz="1000" dirty="0">
+              <a:rPr lang="ja-jp" sz="1000" spc="-20" dirty="0">
                 <a:solidFill>
                   <a:srgbClr val="000000"/>
                 </a:solidFill>
                 <a:latin typeface="Adobe Clean Light" panose="020B0303020404020204" pitchFamily="34" charset="0"/>
               </a:rPr>
-              <a:t>Continuous online access to a growing database of technical solutions, product documentation, FAQs and more. Connect with other customers on Adobe Community to share best practices and lessons learned..</a:t>
+              <a:t>可持續在線上存取不斷增加的技術解決方案、產品文件、常見問答等內容的資料庫。與 Adobe 社群上的其他客戶</a:t>
+            </a:r>
+            <a:r>
+              <a:rPr lang="ja-jp" sz="1000" spc="-20">
+                <a:solidFill>
+                  <a:srgbClr val="000000"/>
+                </a:solidFill>
+                <a:latin typeface="Adobe Clean Light" panose="020B0303020404020204" pitchFamily="34" charset="0"/>
+              </a:rPr>
+              <a:t>交流</a:t>
+            </a:r>
+            <a:r>
+              <a:rPr lang="ja-JP" altLang="en-US" sz="1000" spc="-20">
+                <a:solidFill>
+                  <a:srgbClr val="000000"/>
+                </a:solidFill>
+                <a:latin typeface="Adobe Clean Light" panose="020B0303020404020204" pitchFamily="34" charset="0"/>
+              </a:rPr>
+              <a:t>、</a:t>
+            </a:r>
+            <a:r>
+              <a:rPr lang="ja-jp" sz="1000" spc="-20">
+                <a:solidFill>
+                  <a:srgbClr val="000000"/>
+                </a:solidFill>
+                <a:latin typeface="Adobe Clean Light" panose="020B0303020404020204" pitchFamily="34" charset="0"/>
+              </a:rPr>
+              <a:t>彼</a:t>
+            </a:r>
+            <a:r>
+              <a:rPr lang="ja-jp" sz="1000" spc="-20" dirty="0">
+                <a:solidFill>
+                  <a:srgbClr val="000000"/>
+                </a:solidFill>
+                <a:latin typeface="Adobe Clean Light" panose="020B0303020404020204" pitchFamily="34" charset="0"/>
+              </a:rPr>
+              <a:t>此分享學到的最佳實務和經驗教訓。</a:t>
             </a:r>
           </a:p>
         </p:txBody>
@@ -8884,12 +9126,12 @@
               </a:spcAft>
             </a:pPr>
             <a:r>
-              <a:rPr lang="en-US" sz="1200" b="1" dirty="0">
+              <a:rPr lang="ja-jp" sz="1200" b="1" dirty="0">
                 <a:latin typeface="Adobe Clean" panose="020B0503020404020204" pitchFamily="34" charset="0"/>
                 <a:ea typeface="Open Sans" pitchFamily="34" charset="0"/>
                 <a:cs typeface="Open Sans" pitchFamily="34" charset="0"/>
               </a:rPr>
-              <a:t>Self-Help Portal</a:t>
+              <a:t>自助式入口網站</a:t>
             </a:r>
           </a:p>
         </p:txBody>
@@ -8909,7 +9151,7 @@
         <p:spPr>
           <a:xfrm>
             <a:off x="2930461" y="6767810"/>
-            <a:ext cx="2148840" cy="805349"/>
+            <a:ext cx="2148840" cy="497572"/>
           </a:xfrm>
           <a:prstGeom prst="rect">
             <a:avLst/>
@@ -8922,13 +9164,121 @@
           <a:lstStyle/>
           <a:p>
             <a:r>
-              <a:rPr lang="en-US" sz="1000" dirty="0">
+              <a:rPr lang="ja-jp" sz="1000" spc="-30" dirty="0">
                 <a:solidFill>
                   <a:srgbClr val="000000"/>
                 </a:solidFill>
                 <a:latin typeface="Adobe Clean Light" panose="020B0303020404020204" pitchFamily="34" charset="0"/>
               </a:rPr>
-              <a:t>On-demand access to the online Self-help Support Portal review case status, and browse other resources, like our  news and alerts, knowledge base, featured tips, and more.</a:t>
+              <a:t>隨需存取線上自助式支援入口</a:t>
+            </a:r>
+            <a:r>
+              <a:rPr lang="ja-jp" sz="1000" spc="-30">
+                <a:solidFill>
+                  <a:srgbClr val="000000"/>
+                </a:solidFill>
+                <a:latin typeface="Adobe Clean Light" panose="020B0303020404020204" pitchFamily="34" charset="0"/>
+              </a:rPr>
+              <a:t>網站</a:t>
+            </a:r>
+            <a:r>
+              <a:rPr lang="ja-JP" altLang="en-US" sz="1000" spc="-30">
+                <a:solidFill>
+                  <a:srgbClr val="000000"/>
+                </a:solidFill>
+                <a:latin typeface="Adobe Clean Light" panose="020B0303020404020204" pitchFamily="34" charset="0"/>
+              </a:rPr>
+              <a:t>、</a:t>
+            </a:r>
+            <a:r>
+              <a:rPr lang="ja-jp" sz="1000" spc="-30">
+                <a:solidFill>
+                  <a:srgbClr val="000000"/>
+                </a:solidFill>
+                <a:latin typeface="Adobe Clean Light" panose="020B0303020404020204" pitchFamily="34" charset="0"/>
+              </a:rPr>
+              <a:t>以</a:t>
+            </a:r>
+            <a:r>
+              <a:rPr lang="ja-jp" sz="1000" spc="-30" dirty="0">
+                <a:solidFill>
+                  <a:srgbClr val="000000"/>
+                </a:solidFill>
+                <a:latin typeface="Adobe Clean Light" panose="020B0303020404020204" pitchFamily="34" charset="0"/>
+              </a:rPr>
+              <a:t>檢閱案件</a:t>
+            </a:r>
+            <a:r>
+              <a:rPr lang="ja-jp" sz="1000" spc="-30">
+                <a:solidFill>
+                  <a:srgbClr val="000000"/>
+                </a:solidFill>
+                <a:latin typeface="Adobe Clean Light" panose="020B0303020404020204" pitchFamily="34" charset="0"/>
+              </a:rPr>
+              <a:t>狀態</a:t>
+            </a:r>
+            <a:r>
+              <a:rPr lang="ja-JP" altLang="en-US" sz="1000" spc="-30">
+                <a:solidFill>
+                  <a:srgbClr val="000000"/>
+                </a:solidFill>
+                <a:latin typeface="Adobe Clean Light" panose="020B0303020404020204" pitchFamily="34" charset="0"/>
+              </a:rPr>
+              <a:t>、</a:t>
+            </a:r>
+            <a:r>
+              <a:rPr lang="ja-jp" sz="1000" spc="-30">
+                <a:solidFill>
+                  <a:srgbClr val="000000"/>
+                </a:solidFill>
+                <a:latin typeface="Adobe Clean Light" panose="020B0303020404020204" pitchFamily="34" charset="0"/>
+              </a:rPr>
+              <a:t>並</a:t>
+            </a:r>
+            <a:r>
+              <a:rPr lang="ja-jp" sz="1000" spc="-30" dirty="0">
+                <a:solidFill>
+                  <a:srgbClr val="000000"/>
+                </a:solidFill>
+                <a:latin typeface="Adobe Clean Light" panose="020B0303020404020204" pitchFamily="34" charset="0"/>
+              </a:rPr>
+              <a:t>瀏覽其他</a:t>
+            </a:r>
+            <a:r>
+              <a:rPr lang="ja-jp" sz="1000" spc="-30">
+                <a:solidFill>
+                  <a:srgbClr val="000000"/>
+                </a:solidFill>
+                <a:latin typeface="Adobe Clean Light" panose="020B0303020404020204" pitchFamily="34" charset="0"/>
+              </a:rPr>
+              <a:t>資源</a:t>
+            </a:r>
+            <a:r>
+              <a:rPr lang="ja-JP" altLang="en-US" sz="1000" spc="-30">
+                <a:solidFill>
+                  <a:srgbClr val="000000"/>
+                </a:solidFill>
+                <a:latin typeface="Adobe Clean Light" panose="020B0303020404020204" pitchFamily="34" charset="0"/>
+              </a:rPr>
+              <a:t>、</a:t>
+            </a:r>
+            <a:r>
+              <a:rPr lang="ja-jp" sz="1000" spc="-30">
+                <a:solidFill>
+                  <a:srgbClr val="000000"/>
+                </a:solidFill>
+                <a:latin typeface="Adobe Clean Light" panose="020B0303020404020204" pitchFamily="34" charset="0"/>
+              </a:rPr>
+              <a:t>像</a:t>
+            </a:r>
+            <a:r>
+              <a:rPr lang="ja-jp" sz="1000" spc="-30" dirty="0">
+                <a:solidFill>
+                  <a:srgbClr val="000000"/>
+                </a:solidFill>
+                <a:latin typeface="Adobe Clean Light" panose="020B0303020404020204" pitchFamily="34" charset="0"/>
+              </a:rPr>
+              <a:t>是我們的新聞與提醒、知識庫、特定的提示等。</a:t>
             </a:r>
           </a:p>
         </p:txBody>
@@ -8972,104 +9322,64 @@
               </a:tabLst>
             </a:pPr>
             <a:r>
-              <a:rPr lang="en-US" sz="1000" spc="-20" dirty="0">
+              <a:rPr lang="ja-jp" sz="1000" spc="-20" dirty="0">
                 <a:solidFill>
                   <a:srgbClr val="020302"/>
                 </a:solidFill>
                 <a:latin typeface="AdobeClean-Light"/>
                 <a:cs typeface="AdobeClean-Light"/>
               </a:rPr>
-              <a:t>Authorized Users (Admins) can start a chat session with Adobe Support </a:t>
-            </a:r>
-            <a:r>
-              <a:rPr lang="en-US" sz="1000" spc="-5" dirty="0">
+              <a:t>授權的使用者 (管理員) 可與 Adobe Support 開始聊天式</a:t>
+            </a:r>
+            <a:r>
+              <a:rPr lang="ja-jp" sz="1000" spc="-20">
                 <a:solidFill>
                   <a:srgbClr val="020302"/>
                 </a:solidFill>
                 <a:latin typeface="AdobeClean-Light"/>
                 <a:cs typeface="AdobeClean-Light"/>
               </a:rPr>
-              <a:t>to </a:t>
-            </a:r>
-            <a:r>
-              <a:rPr lang="en-US" sz="1000" spc="-10" dirty="0">
+              <a:t>諮詢</a:t>
+            </a:r>
+            <a:r>
+              <a:rPr lang="ja-JP" altLang="en-US" sz="1000" spc="-5">
                 <a:solidFill>
                   <a:srgbClr val="020302"/>
                 </a:solidFill>
                 <a:latin typeface="AdobeClean-Light"/>
                 <a:cs typeface="AdobeClean-Light"/>
               </a:rPr>
-              <a:t>get </a:t>
-            </a:r>
-            <a:r>
-              <a:rPr lang="en-US" sz="1000" spc="-20" dirty="0">
+              <a:t>、</a:t>
+            </a:r>
+            <a:r>
+              <a:rPr lang="ja-jp" sz="1000" spc="-10">
                 <a:solidFill>
                   <a:srgbClr val="020302"/>
                 </a:solidFill>
                 <a:latin typeface="AdobeClean-Light"/>
                 <a:cs typeface="AdobeClean-Light"/>
               </a:rPr>
-              <a:t>answers</a:t>
-            </a:r>
-            <a:r>
-              <a:rPr lang="en-US" sz="1000" spc="-45" dirty="0">
+              <a:t>以</a:t>
+            </a:r>
+            <a:r>
+              <a:rPr lang="ja-jp" sz="1000" spc="-10" dirty="0">
                 <a:solidFill>
                   <a:srgbClr val="020302"/>
                 </a:solidFill>
                 <a:latin typeface="AdobeClean-Light"/>
                 <a:cs typeface="AdobeClean-Light"/>
               </a:rPr>
-              <a:t> and </a:t>
-            </a:r>
-            <a:r>
-              <a:rPr lang="en-US" sz="1000" spc="-15" dirty="0">
+              <a:t>獲得</a:t>
+            </a:r>
+            <a:r>
+              <a:rPr lang="ja-jp" sz="1000" spc="-20" dirty="0">
                 <a:solidFill>
                   <a:srgbClr val="020302"/>
                 </a:solidFill>
                 <a:latin typeface="AdobeClean-Light"/>
                 <a:cs typeface="AdobeClean-Light"/>
               </a:rPr>
-              <a:t>help </a:t>
-            </a:r>
-            <a:r>
-              <a:rPr lang="en-US" sz="1000" spc="-10" dirty="0">
-                <a:solidFill>
-                  <a:srgbClr val="020302"/>
-                </a:solidFill>
-                <a:latin typeface="AdobeClean-Light"/>
-                <a:cs typeface="AdobeClean-Light"/>
-              </a:rPr>
-              <a:t>with</a:t>
-            </a:r>
-            <a:r>
-              <a:rPr lang="en-US" sz="1000" spc="85" dirty="0">
-                <a:solidFill>
-                  <a:srgbClr val="020302"/>
-                </a:solidFill>
-                <a:latin typeface="AdobeClean-Light"/>
-                <a:cs typeface="AdobeClean-Light"/>
-              </a:rPr>
-              <a:t> </a:t>
-            </a:r>
-            <a:r>
-              <a:rPr lang="en-US" sz="1000" spc="-10" dirty="0">
-                <a:solidFill>
-                  <a:srgbClr val="020302"/>
-                </a:solidFill>
-                <a:latin typeface="AdobeClean-Light"/>
-                <a:cs typeface="AdobeClean-Light"/>
-              </a:rPr>
-              <a:t>case </a:t>
-            </a:r>
-            <a:r>
-              <a:rPr lang="en-US" sz="1000" spc="-20" dirty="0">
-                <a:solidFill>
-                  <a:srgbClr val="020302"/>
-                </a:solidFill>
-                <a:latin typeface="AdobeClean-Light"/>
-                <a:cs typeface="AdobeClean-Light"/>
-              </a:rPr>
-              <a:t>submission.</a:t>
+              <a:t>案件提交的解答與協助。</a:t>
             </a:r>
           </a:p>
           <a:p>
@@ -9085,14 +9395,14 @@
               </a:tabLst>
             </a:pPr>
             <a:r>
-              <a:rPr lang="en-US" sz="1000" i="1" spc="-10" dirty="0">
+              <a:rPr lang="ja-jp" sz="1000" i="1" spc="-10" dirty="0">
                 <a:solidFill>
                   <a:srgbClr val="7A7A7A"/>
                 </a:solidFill>
                 <a:latin typeface="AdobeClean-LightIt"/>
                 <a:cs typeface="AdobeClean-LightIt"/>
               </a:rPr>
-              <a:t>Subject to local hours</a:t>
+              <a:t>以當地時間為準</a:t>
             </a:r>
             <a:endParaRPr lang="en-US" sz="1000" dirty="0">
               <a:latin typeface="AdobeClean-Light"/>
@@ -9139,12 +9449,12 @@
               </a:spcAft>
             </a:pPr>
             <a:r>
-              <a:rPr lang="en-US" sz="1200" b="1" dirty="0">
+              <a:rPr lang="ja-jp" sz="1200" b="1" dirty="0">
                 <a:latin typeface="Adobe Clean" panose="020B0503020404020204" pitchFamily="34" charset="0"/>
                 <a:ea typeface="Open Sans" pitchFamily="34" charset="0"/>
                 <a:cs typeface="Open Sans" pitchFamily="34" charset="0"/>
               </a:rPr>
-              <a:t>Chat Support</a:t>
+              <a:t>聊天支援</a:t>
             </a:r>
           </a:p>
         </p:txBody>
@@ -9187,12 +9497,12 @@
               </a:spcAft>
             </a:pPr>
             <a:r>
-              <a:rPr lang="en-US" sz="1200" b="1" dirty="0">
+              <a:rPr lang="ja-jp" sz="1200" b="1" dirty="0">
                 <a:latin typeface="Adobe Clean" panose="020B0503020404020204" pitchFamily="34" charset="0"/>
                 <a:ea typeface="Open Sans" pitchFamily="34" charset="0"/>
                 <a:cs typeface="Open Sans" pitchFamily="34" charset="0"/>
               </a:rPr>
-              <a:t>Phone Support</a:t>
+              <a:t>電話支援</a:t>
             </a:r>
           </a:p>
         </p:txBody>
@@ -9225,111 +9535,81 @@
           <a:lstStyle/>
           <a:p>
             <a:r>
-              <a:rPr lang="en-US" sz="1000" dirty="0">
+              <a:rPr lang="ja-jp" sz="1000" dirty="0">
                 <a:solidFill>
                   <a:srgbClr val="020302"/>
                 </a:solidFill>
                 <a:latin typeface="AdobeClean-Light"/>
               </a:rPr>
-              <a:t>Authorized Users (Admins) </a:t>
-            </a:r>
-            <a:r>
-              <a:rPr lang="en-US" sz="1000" dirty="0">
+              <a:t>授權的使用者 (管理員) </a:t>
+            </a:r>
+            <a:r>
+              <a:rPr lang="ja-jp" sz="1000" dirty="0">
                 <a:latin typeface="Adobe Clean Light"/>
               </a:rPr>
-              <a:t>can call Adobe Support via phone </a:t>
-            </a:r>
-            <a:r>
-              <a:rPr lang="en-US" sz="1000" spc="-5" dirty="0">
+              <a:t>可以透過電話</a:t>
+            </a:r>
+            <a:r>
+              <a:rPr lang="ja-jp" sz="1000" spc="-5" dirty="0">
                 <a:solidFill>
                   <a:srgbClr val="020302"/>
                 </a:solidFill>
                 <a:latin typeface="AdobeClean-Light"/>
                 <a:cs typeface="AdobeClean-Light"/>
               </a:rPr>
-              <a:t>to </a:t>
-            </a:r>
-            <a:r>
-              <a:rPr lang="en-US" sz="1000" spc="-10" dirty="0">
+              <a:t>聯絡 Adobe Suppo</a:t>
+            </a:r>
+            <a:r>
+              <a:rPr lang="ja-jp" sz="1000" spc="-5">
                 <a:solidFill>
                   <a:srgbClr val="020302"/>
                 </a:solidFill>
                 <a:latin typeface="AdobeClean-Light"/>
                 <a:cs typeface="AdobeClean-Light"/>
               </a:rPr>
-              <a:t>get </a:t>
-            </a:r>
-            <a:r>
-              <a:rPr lang="en-US" sz="1000" spc="-20" dirty="0">
+              <a:t>rt</a:t>
+            </a:r>
+            <a:r>
+              <a:rPr lang="ja-JP" altLang="en-US" sz="1000" spc="-5">
                 <a:solidFill>
                   <a:srgbClr val="020302"/>
                 </a:solidFill>
                 <a:latin typeface="AdobeClean-Light"/>
                 <a:cs typeface="AdobeClean-Light"/>
               </a:rPr>
-              <a:t>answers</a:t>
-            </a:r>
-            <a:r>
-              <a:rPr lang="en-US" sz="1000" spc="-45" dirty="0">
+              <a:t>、</a:t>
+            </a:r>
+            <a:r>
+              <a:rPr lang="ja-jp" sz="1000" spc="-5">
                 <a:solidFill>
                   <a:srgbClr val="020302"/>
                 </a:solidFill>
                 <a:latin typeface="AdobeClean-Light"/>
                 <a:cs typeface="AdobeClean-Light"/>
               </a:rPr>
-              <a:t> and</a:t>
-            </a:r>
-            <a:r>
-              <a:rPr lang="en-US" sz="1000" dirty="0">
+              <a:t>以</a:t>
+            </a:r>
+            <a:r>
+              <a:rPr lang="ja-jp" sz="1000" spc="-5" dirty="0">
                 <a:solidFill>
                   <a:srgbClr val="020302"/>
                 </a:solidFill>
                 <a:latin typeface="AdobeClean-Light"/>
                 <a:cs typeface="AdobeClean-Light"/>
               </a:rPr>
-              <a:t> </a:t>
-            </a:r>
-            <a:r>
-              <a:rPr lang="en-US" sz="1000" spc="-15" dirty="0">
-                <a:solidFill>
-                  <a:srgbClr val="020302"/>
-                </a:solidFill>
-                <a:latin typeface="AdobeClean-Light"/>
-                <a:cs typeface="AdobeClean-Light"/>
-              </a:rPr>
-              <a:t>help </a:t>
-            </a:r>
-            <a:r>
-              <a:rPr lang="en-US" sz="1000" spc="-10" dirty="0">
-                <a:solidFill>
-                  <a:srgbClr val="020302"/>
-                </a:solidFill>
-                <a:latin typeface="AdobeClean-Light"/>
-                <a:cs typeface="AdobeClean-Light"/>
-              </a:rPr>
-              <a:t>with case </a:t>
-            </a:r>
-            <a:r>
-              <a:rPr lang="en-US" sz="1000" spc="-20" dirty="0">
-                <a:solidFill>
-                  <a:srgbClr val="020302"/>
-                </a:solidFill>
-                <a:latin typeface="AdobeClean-Light"/>
-                <a:cs typeface="AdobeClean-Light"/>
-              </a:rPr>
-              <a:t>submission.</a:t>
+              <a:t>獲得案件提交的解答與協助。</a:t>
             </a:r>
           </a:p>
           <a:p>
             <a:r>
-              <a:rPr lang="en-US" sz="1000" i="1" spc="-10" dirty="0">
+              <a:rPr lang="ja-jp" sz="1000" i="1" spc="-10" dirty="0">
                 <a:solidFill>
                   <a:srgbClr val="7A7A7A"/>
                 </a:solidFill>
                 <a:latin typeface="Adobe Clean Light" panose="020B0303020404020204" pitchFamily="34" charset="0"/>
                 <a:cs typeface="AdobeClean-LightIt"/>
               </a:rPr>
-              <a:t>Subject to local hours</a:t>
+              <a:t>以當地時間為準</a:t>
             </a:r>
             <a:endParaRPr lang="en-US" sz="1000" i="1" dirty="0">
               <a:latin typeface="Adobe Clean Light" panose="020B0303020404020204" pitchFamily="34" charset="0"/>
@@ -9376,12 +9656,12 @@
               </a:spcAft>
             </a:pPr>
             <a:r>
-              <a:rPr lang="en-US" sz="1200" b="1" dirty="0">
+              <a:rPr lang="ja-jp" sz="1200" b="1" dirty="0">
                 <a:latin typeface="Adobe Clean" panose="020B0503020404020204" pitchFamily="34" charset="0"/>
                 <a:ea typeface="Open Sans" pitchFamily="34" charset="0"/>
                 <a:cs typeface="Open Sans" pitchFamily="34" charset="0"/>
               </a:rPr>
-              <a:t>Web Case Submission</a:t>
+              <a:t>網頁案例提交</a:t>
             </a:r>
           </a:p>
         </p:txBody>
@@ -9401,7 +9681,7 @@
         <p:spPr>
           <a:xfrm>
             <a:off x="4206461" y="8522198"/>
-            <a:ext cx="2148840" cy="707886"/>
+            <a:ext cx="2148840" cy="553998"/>
           </a:xfrm>
           <a:prstGeom prst="rect">
             <a:avLst/>
@@ -9414,19 +9694,43 @@
           <a:lstStyle/>
           <a:p>
             <a:r>
-              <a:rPr lang="en-US" sz="1000" dirty="0">
+              <a:rPr lang="ja-jp" sz="1000" dirty="0">
                 <a:solidFill>
                   <a:srgbClr val="020302"/>
                 </a:solidFill>
                 <a:latin typeface="AdobeClean-Light"/>
               </a:rPr>
-              <a:t>Authorized Users (Admins) </a:t>
-            </a:r>
-            <a:r>
-              <a:rPr lang="en-US" sz="1000" dirty="0">
+              <a:t>授權的使用者 (管理員) </a:t>
+            </a:r>
+            <a:r>
+              <a:rPr lang="ja-jp" sz="1000" dirty="0">
                 <a:latin typeface="Adobe Clean Light"/>
               </a:rPr>
-              <a:t>can submit unlimited web cases at any time for support issues for review by our technical support team.</a:t>
+              <a:t>可以針對支援問題隨時提交不限數量的網頁</a:t>
+            </a:r>
+            <a:r>
+              <a:rPr lang="ja-jp" sz="1000">
+                <a:latin typeface="Adobe Clean Light"/>
+              </a:rPr>
+              <a:t>案例</a:t>
+            </a:r>
+            <a:r>
+              <a:rPr lang="ja-JP" altLang="en-US" sz="1000">
+                <a:latin typeface="Adobe Clean Light"/>
+              </a:rPr>
+              <a:t>、</a:t>
+            </a:r>
+            <a:r>
+              <a:rPr lang="ja-jp" sz="1000">
+                <a:latin typeface="Adobe Clean Light"/>
+              </a:rPr>
+              <a:t>以</a:t>
+            </a:r>
+            <a:r>
+              <a:rPr lang="ja-jp" sz="1000" dirty="0">
+                <a:latin typeface="Adobe Clean Light"/>
+              </a:rPr>
+              <a:t>供我們的技術支援團隊審查。</a:t>
             </a:r>
             <a:endParaRPr lang="en-US" sz="1000" dirty="0">
               <a:solidFill>
@@ -9455,7 +9759,7 @@
           <p:nvPr/>
         </p:nvPicPr>
         <p:blipFill>
-          <a:blip r:embed="rId5" cstate="print">
+          <a:blip r:embed="rId4" cstate="print">
             <a:extLst>
               <a:ext uri="{28A0092B-C50C-407E-A947-70E740481C1C}">
                 <a14:useLocalDpi xmlns:a14="http://schemas.microsoft.com/office/drawing/2010/main"/>
@@ -9494,7 +9798,7 @@
           <p:nvPr/>
         </p:nvPicPr>
         <p:blipFill>
-          <a:blip r:embed="rId6" cstate="print">
+          <a:blip r:embed="rId5" cstate="print">
             <a:extLst>
               <a:ext uri="{28A0092B-C50C-407E-A947-70E740481C1C}">
                 <a14:useLocalDpi xmlns:a14="http://schemas.microsoft.com/office/drawing/2010/main"/>
@@ -9533,7 +9837,7 @@
           <p:nvPr/>
         </p:nvPicPr>
         <p:blipFill>
-          <a:blip r:embed="rId7" cstate="print">
+          <a:blip r:embed="rId6" cstate="print">
             <a:extLst>
               <a:ext uri="{28A0092B-C50C-407E-A947-70E740481C1C}">
                 <a14:useLocalDpi xmlns:a14="http://schemas.microsoft.com/office/drawing/2010/main"/>
@@ -9572,7 +9876,7 @@
           <p:nvPr/>
         </p:nvPicPr>
         <p:blipFill>
-          <a:blip r:embed="rId8" cstate="print">
+          <a:blip r:embed="rId7" cstate="print">
             <a:extLst>
               <a:ext uri="{28A0092B-C50C-407E-A947-70E740481C1C}">
                 <a14:useLocalDpi xmlns:a14="http://schemas.microsoft.com/office/drawing/2010/main"/>
@@ -9611,7 +9915,7 @@
           <p:nvPr/>
         </p:nvPicPr>
         <p:blipFill>
-          <a:blip r:embed="rId9" cstate="print">
+          <a:blip r:embed="rId8" cstate="print">
             <a:extLst>
               <a:ext uri="{28A0092B-C50C-407E-A947-70E740481C1C}">
                 <a14:useLocalDpi xmlns:a14="http://schemas.microsoft.com/office/drawing/2010/main"/>
@@ -9650,7 +9954,7 @@
           <p:nvPr/>
         </p:nvPicPr>
         <p:blipFill>
-          <a:blip r:embed="rId10" cstate="print">
+          <a:blip r:embed="rId9" cstate="print">
             <a:duotone>
               <a:prstClr val="black"/>
               <a:schemeClr val="tx1">
@@ -9699,7 +10003,7 @@
           <p:nvPr/>
         </p:nvPicPr>
         <p:blipFill>
-          <a:blip r:embed="rId11" cstate="print">
+          <a:blip r:embed="rId10" cstate="print">
             <a:duotone>
               <a:prstClr val="black"/>
               <a:schemeClr val="tx1">
@@ -9748,7 +10052,7 @@
           <p:nvPr/>
         </p:nvPicPr>
         <p:blipFill>
-          <a:blip r:embed="rId12" cstate="print">
+          <a:blip r:embed="rId11" cstate="print">
             <a:duotone>
               <a:prstClr val="black"/>
               <a:schemeClr val="tx1">
@@ -9797,7 +10101,7 @@
           <p:nvPr/>
         </p:nvPicPr>
         <p:blipFill>
-          <a:blip r:embed="rId13"/>
+          <a:blip r:embed="rId12"/>
           <a:stretch>
             <a:fillRect/>
           </a:stretch>
@@ -9941,36 +10245,36 @@
               </a:spcBef>
             </a:pPr>
             <a:r>
-              <a:rPr lang="en-US" spc="-10" dirty="0"/>
+              <a:rPr lang="ja-jp" spc="-10" dirty="0"/>
               <a:t>©202</a:t>
             </a:r>
             <a:r>
-              <a:rPr lang="en-US" spc="-5" dirty="0"/>
-              <a:t>2 Adobe. All</a:t>
-            </a:r>
-            <a:r>
-              <a:rPr lang="en-US" spc="-10" dirty="0"/>
+              <a:rPr lang="ja-jp" spc="-5" dirty="0"/>
+              <a:t>2 Adobe.All</a:t>
+            </a:r>
+            <a:r>
+              <a:rPr lang="ja-jp" spc="-10" dirty="0"/>
               <a:t> Rights</a:t>
             </a:r>
             <a:r>
-              <a:rPr lang="en-US" spc="-5" dirty="0"/>
+              <a:rPr lang="ja-jp" spc="-5" dirty="0"/>
               <a:t> </a:t>
             </a:r>
             <a:r>
-              <a:rPr lang="en-US" spc="-10" dirty="0"/>
-              <a:t>Reserved.</a:t>
-            </a:r>
-            <a:r>
-              <a:rPr lang="en-US" spc="-5" dirty="0"/>
-              <a:t> Adobe</a:t>
-            </a:r>
-            <a:r>
-              <a:rPr lang="en-US" spc="60" dirty="0"/>
+              <a:rPr lang="ja-jp" spc="-10" dirty="0"/>
+              <a:t>Reserved。</a:t>
+            </a:r>
+            <a:r>
+              <a:rPr lang="ja-jp" spc="-5" dirty="0"/>
+              <a:t>Adobe</a:t>
+            </a:r>
+            <a:r>
+              <a:rPr lang="ja-jp" spc="60" dirty="0"/>
               <a:t> </a:t>
             </a:r>
             <a:r>
-              <a:rPr lang="en-US" spc="-10" dirty="0"/>
-              <a:t>Confidential.</a:t>
+              <a:rPr lang="ja-jp" spc="-10" dirty="0"/>
+              <a:t>機密資訊。</a:t>
             </a:r>
           </a:p>
         </p:txBody>
@@ -10027,17 +10331,17 @@
               </a:lnSpc>
             </a:pPr>
             <a:r>
-              <a:rPr sz="500" spc="-5" dirty="0">
+              <a:rPr lang="ja-jp" sz="500" spc="-5" dirty="0">
                 <a:solidFill>
                   <a:srgbClr val="6C6C6C"/>
                 </a:solidFill>
                 <a:latin typeface="Adobe Clean"/>
                 <a:cs typeface="Adobe Clean"/>
               </a:rPr>
-              <a:t>©2020 Adobe. All Rights Reserved. </a:t>
-            </a:r>
-            <a:r>
-              <a:rPr sz="500" dirty="0">
+              <a:t>© 2020 Adobe. All rights reserved.</a:t>
+            </a:r>
+            <a:r>
+              <a:rPr lang="ja-jp" sz="500" dirty="0">
                 <a:solidFill>
                   <a:srgbClr val="6C6C6C"/>
                 </a:solidFill>
@@ -10047,7 +10351,7 @@
               <a:t>Adobe</a:t>
             </a:r>
             <a:r>
-              <a:rPr sz="500" spc="5" dirty="0">
+              <a:rPr lang="ja-jp" sz="500" spc="5" dirty="0">
                 <a:solidFill>
                   <a:srgbClr val="6C6C6C"/>
                 </a:solidFill>
@@ -10057,14 +10361,14 @@
               <a:t> </a:t>
             </a:r>
             <a:r>
-              <a:rPr sz="500" spc="-5" dirty="0">
+              <a:rPr lang="ja-jp" sz="500" spc="-5" dirty="0">
                 <a:solidFill>
                   <a:srgbClr val="6C6C6C"/>
                 </a:solidFill>
                 <a:latin typeface="Adobe Clean"/>
                 <a:cs typeface="Adobe Clean"/>
               </a:rPr>
-              <a:t>Confidential.</a:t>
+              <a:t> 機密資訊。</a:t>
             </a:r>
             <a:endParaRPr sz="500">
               <a:latin typeface="Adobe Clean"/>
@@ -10095,17 +10399,17 @@
               </a:spcBef>
             </a:pPr>
             <a:r>
-              <a:rPr sz="800" spc="-5" dirty="0">
+              <a:rPr lang="ja-jp" sz="800" spc="-5" dirty="0">
                 <a:solidFill>
                   <a:srgbClr val="6D6D6D"/>
                 </a:solidFill>
                 <a:latin typeface="Adobe Clean"/>
                 <a:cs typeface="Adobe Clean"/>
               </a:rPr>
-              <a:t>©2020 Adobe. All Rights Reserved. Adobe</a:t>
-            </a:r>
-            <a:r>
-              <a:rPr sz="800" spc="75" dirty="0">
+              <a:t>© 2020 Adobe. All rights reserved.Adobe</a:t>
+            </a:r>
+            <a:r>
+              <a:rPr lang="ja-jp" sz="800" spc="75" dirty="0">
                 <a:solidFill>
                   <a:srgbClr val="6D6D6D"/>
                 </a:solidFill>
@@ -10115,14 +10419,14 @@
               <a:t> </a:t>
             </a:r>
             <a:r>
-              <a:rPr sz="800" spc="-5" dirty="0">
+              <a:rPr lang="ja-jp" sz="800" spc="-5" dirty="0">
                 <a:solidFill>
                   <a:srgbClr val="6D6D6D"/>
                 </a:solidFill>
                 <a:latin typeface="Adobe Clean"/>
                 <a:cs typeface="Adobe Clean"/>
               </a:rPr>
-              <a:t>Confidential.</a:t>
+              <a:t>機密資訊。</a:t>
             </a:r>
             <a:endParaRPr sz="800">
               <a:latin typeface="Adobe Clean"/>
@@ -10211,14 +10515,14 @@
               </a:spcBef>
             </a:pPr>
             <a:r>
-              <a:rPr lang="en-US" sz="1400" b="1" spc="-15" dirty="0">
+              <a:rPr lang="ja-jp" sz="1400" b="1" spc="-15" dirty="0">
                 <a:solidFill>
                   <a:srgbClr val="020302"/>
                 </a:solidFill>
                 <a:latin typeface="Adobe Clean"/>
                 <a:cs typeface="Adobe Clean"/>
               </a:rPr>
-              <a:t>Resources</a:t>
+              <a:t>資源</a:t>
             </a:r>
             <a:endParaRPr sz="1400" dirty="0">
               <a:latin typeface="Adobe Clean"/>
@@ -10236,7 +10540,7 @@
         <p:spPr>
           <a:xfrm>
             <a:off x="6754821" y="9283729"/>
-            <a:ext cx="930275" cy="662305"/>
+            <a:ext cx="930275" cy="758541"/>
           </a:xfrm>
           <a:prstGeom prst="rect">
             <a:avLst/>
@@ -10257,7 +10561,7 @@
               </a:spcBef>
             </a:pPr>
             <a:r>
-              <a:rPr sz="800" spc="-15" dirty="0">
+              <a:rPr lang="ja-jp" sz="800" spc="-15" dirty="0">
                 <a:solidFill>
                   <a:srgbClr val="777879"/>
                 </a:solidFill>
@@ -10266,7 +10570,7 @@
               </a:rPr>
               <a:t>Adobe</a:t>
             </a:r>
-            <a:endParaRPr sz="800">
+            <a:endParaRPr sz="800" dirty="0">
               <a:latin typeface="Adobe Clean"/>
               <a:cs typeface="Adobe Clean"/>
             </a:endParaRPr>
@@ -10278,7 +10582,7 @@
               </a:lnSpc>
             </a:pPr>
             <a:r>
-              <a:rPr sz="800" spc="-15" dirty="0">
+              <a:rPr lang="ja-jp" sz="800" spc="-15" dirty="0">
                 <a:solidFill>
                   <a:srgbClr val="777879"/>
                 </a:solidFill>
@@ -10288,7 +10592,7 @@
               <a:t>345 Park</a:t>
             </a:r>
             <a:r>
-              <a:rPr sz="800" spc="-100" dirty="0">
+              <a:rPr lang="ja-jp" sz="800" spc="-100" dirty="0">
                 <a:solidFill>
                   <a:srgbClr val="777879"/>
                 </a:solidFill>
@@ -10298,7 +10602,7 @@
               <a:t> </a:t>
             </a:r>
             <a:r>
-              <a:rPr sz="800" spc="-15" dirty="0">
+              <a:rPr lang="ja-jp" sz="800" spc="-15" dirty="0">
                 <a:solidFill>
                   <a:srgbClr val="777879"/>
                 </a:solidFill>
@@ -10307,7 +10611,7 @@
               </a:rPr>
               <a:t>Avenue</a:t>
             </a:r>
-            <a:endParaRPr sz="800">
+            <a:endParaRPr sz="800" dirty="0">
               <a:latin typeface="Adobe Clean"/>
               <a:cs typeface="Adobe Clean"/>
             </a:endParaRPr>
@@ -10319,7 +10623,7 @@
               </a:lnSpc>
             </a:pPr>
             <a:r>
-              <a:rPr sz="800" spc="-10" dirty="0">
+              <a:rPr lang="ja-jp" sz="800" spc="-10" dirty="0">
                 <a:solidFill>
                   <a:srgbClr val="777879"/>
                 </a:solidFill>
@@ -10329,36 +10633,56 @@
               <a:t>San </a:t>
             </a:r>
             <a:r>
-              <a:rPr sz="800" spc="-15" dirty="0">
+              <a:rPr lang="ja-jp" sz="800" spc="-15" dirty="0">
                 <a:solidFill>
                   <a:srgbClr val="777879"/>
                 </a:solidFill>
                 <a:latin typeface="Adobe Clean"/>
                 <a:cs typeface="Adobe Clean"/>
               </a:rPr>
-              <a:t>Jose,</a:t>
-            </a:r>
-            <a:r>
-              <a:rPr sz="800" spc="-140" dirty="0">
+              <a:t>Jo</a:t>
+            </a:r>
+            <a:r>
+              <a:rPr lang="ja-jp" sz="800" spc="-15">
                 <a:solidFill>
                   <a:srgbClr val="777879"/>
                 </a:solidFill>
                 <a:latin typeface="Adobe Clean"/>
                 <a:cs typeface="Adobe Clean"/>
               </a:rPr>
-              <a:t> </a:t>
-            </a:r>
-            <a:r>
-              <a:rPr sz="800" spc="-20" dirty="0">
+              <a:t>se</a:t>
+            </a:r>
+            <a:r>
+              <a:rPr lang="ja-JP" altLang="en-US" sz="800" spc="-15">
                 <a:solidFill>
                   <a:srgbClr val="777879"/>
                 </a:solidFill>
                 <a:latin typeface="Adobe Clean"/>
                 <a:cs typeface="Adobe Clean"/>
               </a:rPr>
+              <a:t>、</a:t>
+            </a:r>
+            <a:r>
+              <a:rPr lang="ja-jp" sz="800" spc="-140">
+                <a:solidFill>
+                  <a:srgbClr val="777879"/>
+                </a:solidFill>
+                <a:latin typeface="Adobe Clean"/>
+                <a:cs typeface="Adobe Clean"/>
+              </a:rPr>
+              <a:t> </a:t>
+            </a:r>
+            <a:r>
+              <a:rPr lang="ja-jp" sz="800" spc="-20" dirty="0">
+                <a:solidFill>
+                  <a:srgbClr val="777879"/>
+                </a:solidFill>
+                <a:latin typeface="Adobe Clean"/>
+                <a:cs typeface="Adobe Clean"/>
+              </a:rPr>
               <a:t>CA95110-2704</a:t>
             </a:r>
-            <a:endParaRPr sz="800">
+            <a:endParaRPr sz="800" dirty="0">
               <a:latin typeface="Adobe Clean"/>
               <a:cs typeface="Adobe Clean"/>
             </a:endParaRPr>
@@ -10373,7 +10697,7 @@
               </a:spcBef>
             </a:pPr>
             <a:r>
-              <a:rPr sz="800" spc="-10" dirty="0">
+              <a:rPr lang="ja-jp" sz="800" spc="-10" dirty="0">
                 <a:solidFill>
                   <a:srgbClr val="777879"/>
                 </a:solidFill>
@@ -10382,7 +10706,7 @@
               </a:rPr>
               <a:t>USA</a:t>
             </a:r>
-            <a:endParaRPr sz="800">
+            <a:endParaRPr sz="800" dirty="0">
               <a:latin typeface="Adobe Clean"/>
               <a:cs typeface="Adobe Clean"/>
             </a:endParaRPr>
@@ -10397,7 +10721,7 @@
               </a:spcBef>
             </a:pPr>
             <a:r>
-              <a:rPr sz="800" u="sng" spc="-25" dirty="0">
+              <a:rPr lang="ja-jp" sz="800" u="sng" spc="-25" dirty="0">
                 <a:solidFill>
                   <a:srgbClr val="5F5F5F"/>
                 </a:solidFill>
@@ -10410,9 +10734,9 @@
                 <a:cs typeface="Adobe Clean"/>
                 <a:hlinkClick r:id="rId4"/>
               </a:rPr>
-              <a:t>www.adobe.com</a:t>
-            </a:r>
-            <a:endParaRPr sz="800">
+              <a:t>www.adobe.com/tw/</a:t>
+            </a:r>
+            <a:endParaRPr sz="800" dirty="0">
               <a:latin typeface="Adobe Clean"/>
               <a:cs typeface="Adobe Clean"/>
             </a:endParaRPr>
@@ -10590,17 +10914,17 @@
               </a:spcBef>
             </a:pPr>
             <a:r>
-              <a:rPr sz="1100" i="1" spc="-10" dirty="0">
+              <a:rPr lang="ja-jp" sz="1100" i="1" spc="-10" dirty="0">
                 <a:solidFill>
                   <a:srgbClr val="777879"/>
                 </a:solidFill>
                 <a:latin typeface="AdobeClean-LightIt"/>
                 <a:cs typeface="AdobeClean-LightIt"/>
               </a:rPr>
-              <a:t>To</a:t>
-            </a:r>
-            <a:r>
-              <a:rPr sz="1100" i="1" spc="-50" dirty="0">
+              <a:t>如需</a:t>
+            </a:r>
+            <a:r>
+              <a:rPr lang="ja-jp" sz="1100" i="1" spc="-50" dirty="0">
                 <a:solidFill>
                   <a:srgbClr val="777879"/>
                 </a:solidFill>
@@ -10610,17 +10934,17 @@
               <a:t> </a:t>
             </a:r>
             <a:r>
-              <a:rPr sz="1100" i="1" spc="-15" dirty="0">
+              <a:rPr lang="ja-jp" sz="1100" i="1" spc="-15" dirty="0">
                 <a:solidFill>
                   <a:srgbClr val="777879"/>
                 </a:solidFill>
                 <a:latin typeface="AdobeClean-LightIt"/>
                 <a:cs typeface="AdobeClean-LightIt"/>
               </a:rPr>
-              <a:t>learn</a:t>
-            </a:r>
-            <a:r>
-              <a:rPr sz="1100" i="1" spc="-40" dirty="0">
+              <a:t>了解</a:t>
+            </a:r>
+            <a:r>
+              <a:rPr lang="ja-jp" sz="1100" i="1" spc="-40" dirty="0">
                 <a:solidFill>
                   <a:srgbClr val="777879"/>
                 </a:solidFill>
@@ -10630,87 +10954,87 @@
               <a:t> </a:t>
             </a:r>
             <a:r>
-              <a:rPr sz="1100" i="1" spc="-15" dirty="0">
+              <a:rPr lang="ja-jp" sz="1100" i="1" spc="-45" dirty="0">
                 <a:solidFill>
                   <a:srgbClr val="777879"/>
                 </a:solidFill>
                 <a:latin typeface="AdobeClean-LightIt"/>
                 <a:cs typeface="AdobeClean-LightIt"/>
               </a:rPr>
-              <a:t>more</a:t>
-            </a:r>
-            <a:r>
-              <a:rPr sz="1100" i="1" spc="-45" dirty="0">
+              <a:t>  </a:t>
+            </a:r>
+            <a:r>
+              <a:rPr lang="ja-jp" sz="1100" i="1" spc="-15" dirty="0">
                 <a:solidFill>
                   <a:srgbClr val="777879"/>
                 </a:solidFill>
                 <a:latin typeface="AdobeClean-LightIt"/>
                 <a:cs typeface="AdobeClean-LightIt"/>
               </a:rPr>
-              <a:t> </a:t>
-            </a:r>
-            <a:r>
-              <a:rPr sz="1100" i="1" spc="-15" dirty="0">
+              <a:t>Adobe</a:t>
+            </a:r>
+            <a:r>
+              <a:rPr lang="ja-jp" sz="1100" i="1" spc="-50" dirty="0">
                 <a:solidFill>
                   <a:srgbClr val="777879"/>
                 </a:solidFill>
                 <a:latin typeface="AdobeClean-LightIt"/>
                 <a:cs typeface="AdobeClean-LightIt"/>
               </a:rPr>
-              <a:t>about</a:t>
-            </a:r>
-            <a:r>
-              <a:rPr sz="1100" i="1" spc="-45" dirty="0">
+              <a:t> </a:t>
+            </a:r>
+            <a:r>
+              <a:rPr lang="ja-jp" sz="1100" i="1" spc="-15" dirty="0">
                 <a:solidFill>
                   <a:srgbClr val="777879"/>
                 </a:solidFill>
                 <a:latin typeface="AdobeClean-LightIt"/>
                 <a:cs typeface="AdobeClean-LightIt"/>
               </a:rPr>
-              <a:t> </a:t>
-            </a:r>
-            <a:r>
-              <a:rPr sz="1100" i="1" spc="-15" dirty="0">
+              <a:t>支援方案</a:t>
+            </a:r>
+            <a:r>
+              <a:rPr lang="ja-jp" sz="1100" i="1" spc="-75" dirty="0">
                 <a:solidFill>
                   <a:srgbClr val="777879"/>
                 </a:solidFill>
                 <a:latin typeface="AdobeClean-LightIt"/>
                 <a:cs typeface="AdobeClean-LightIt"/>
               </a:rPr>
-              <a:t>Adobe</a:t>
-            </a:r>
-            <a:r>
-              <a:rPr sz="1100" i="1" spc="-50" dirty="0">
+              <a:t>的詳細資訊</a:t>
+            </a:r>
+            <a:r>
+              <a:rPr lang="ja-jp" sz="1100" i="1" spc="-15" dirty="0">
                 <a:solidFill>
                   <a:srgbClr val="777879"/>
                 </a:solidFill>
                 <a:latin typeface="AdobeClean-LightIt"/>
                 <a:cs typeface="AdobeClean-LightIt"/>
               </a:rPr>
-              <a:t> </a:t>
-            </a:r>
-            <a:r>
-              <a:rPr sz="1100" i="1" spc="-15" dirty="0">
+              <a:t>以及</a:t>
+            </a:r>
+            <a:r>
+              <a:rPr lang="ja-jp" sz="1100" i="1" spc="-50" dirty="0">
                 <a:solidFill>
                   <a:srgbClr val="777879"/>
                 </a:solidFill>
                 <a:latin typeface="AdobeClean-LightIt"/>
                 <a:cs typeface="AdobeClean-LightIt"/>
               </a:rPr>
-              <a:t>Support</a:t>
-            </a:r>
-            <a:r>
-              <a:rPr lang="en-US" sz="1100" i="1" spc="-15" dirty="0">
+              <a:t> </a:t>
+            </a:r>
+            <a:r>
+              <a:rPr lang="ja-jp" sz="1100" i="1" spc="-15" dirty="0">
                 <a:solidFill>
                   <a:srgbClr val="777879"/>
                 </a:solidFill>
                 <a:latin typeface="AdobeClean-LightIt"/>
                 <a:cs typeface="AdobeClean-LightIt"/>
               </a:rPr>
-              <a:t> Offerings</a:t>
-            </a:r>
-            <a:r>
-              <a:rPr sz="1100" i="1" spc="-75" dirty="0">
+              <a:t>適合</a:t>
+            </a:r>
+            <a:r>
+              <a:rPr lang="ja-jp" sz="1100" i="1" spc="-55" dirty="0">
                 <a:solidFill>
                   <a:srgbClr val="777879"/>
                 </a:solidFill>
@@ -10720,177 +11044,177 @@
               <a:t> </a:t>
             </a:r>
             <a:r>
-              <a:rPr sz="1100" i="1" spc="-15" dirty="0">
+              <a:rPr lang="ja-jp" sz="1100" i="1" spc="-95" dirty="0">
                 <a:solidFill>
                   <a:srgbClr val="777879"/>
                 </a:solidFill>
                 <a:latin typeface="AdobeClean-LightIt"/>
                 <a:cs typeface="AdobeClean-LightIt"/>
               </a:rPr>
-              <a:t>and</a:t>
-            </a:r>
-            <a:r>
-              <a:rPr sz="1100" i="1" spc="-50" dirty="0">
+              <a:t> </a:t>
+            </a:r>
+            <a:r>
+              <a:rPr lang="ja-jp" sz="1100" i="1" spc="-15" dirty="0">
                 <a:solidFill>
                   <a:srgbClr val="777879"/>
                 </a:solidFill>
                 <a:latin typeface="AdobeClean-LightIt"/>
                 <a:cs typeface="AdobeClean-LightIt"/>
               </a:rPr>
-              <a:t> </a:t>
-            </a:r>
-            <a:r>
-              <a:rPr sz="1100" i="1" spc="-15" dirty="0">
+              <a:t>您的</a:t>
+            </a:r>
+            <a:r>
+              <a:rPr lang="ja-jp" sz="1100" i="1" spc="-15">
                 <a:solidFill>
                   <a:srgbClr val="777879"/>
                 </a:solidFill>
                 <a:latin typeface="AdobeClean-LightIt"/>
                 <a:cs typeface="AdobeClean-LightIt"/>
               </a:rPr>
-              <a:t>the</a:t>
-            </a:r>
-            <a:r>
-              <a:rPr sz="1100" i="1" spc="-55" dirty="0">
+              <a:t>層級</a:t>
+            </a:r>
+            <a:r>
+              <a:rPr lang="ja-JP" altLang="en-US" sz="1100" i="1" spc="-15">
                 <a:solidFill>
                   <a:srgbClr val="777879"/>
                 </a:solidFill>
                 <a:latin typeface="AdobeClean-LightIt"/>
                 <a:cs typeface="AdobeClean-LightIt"/>
               </a:rPr>
-              <a:t> </a:t>
-            </a:r>
-            <a:r>
-              <a:rPr sz="1100" i="1" spc="-15" dirty="0">
+              <a:t>、</a:t>
+            </a:r>
+            <a:r>
+              <a:rPr lang="ja-jp" sz="1100" i="1" spc="-65">
                 <a:solidFill>
                   <a:srgbClr val="777879"/>
                 </a:solidFill>
                 <a:latin typeface="AdobeClean-LightIt"/>
                 <a:cs typeface="AdobeClean-LightIt"/>
               </a:rPr>
-              <a:t>right</a:t>
-            </a:r>
-            <a:r>
-              <a:rPr sz="1100" i="1" spc="-95" dirty="0">
+              <a:t> </a:t>
+            </a:r>
+            <a:r>
+              <a:rPr lang="ja-jp" sz="1100" i="1" spc="-15" dirty="0">
                 <a:solidFill>
                   <a:srgbClr val="777879"/>
                 </a:solidFill>
                 <a:latin typeface="AdobeClean-LightIt"/>
                 <a:cs typeface="AdobeClean-LightIt"/>
               </a:rPr>
-              <a:t> </a:t>
-            </a:r>
-            <a:r>
-              <a:rPr sz="1100" i="1" spc="-15" dirty="0">
+              <a:t>請聯絡</a:t>
+            </a:r>
+            <a:r>
+              <a:rPr lang="ja-jp" sz="1100" i="1" spc="-85" dirty="0">
                 <a:solidFill>
                   <a:srgbClr val="777879"/>
                 </a:solidFill>
                 <a:latin typeface="AdobeClean-LightIt"/>
                 <a:cs typeface="AdobeClean-LightIt"/>
               </a:rPr>
-              <a:t>level</a:t>
-            </a:r>
-            <a:r>
-              <a:rPr sz="1100" i="1" spc="-55" dirty="0">
+              <a:t> </a:t>
+            </a:r>
+            <a:r>
+              <a:rPr lang="ja-jp" sz="1100" i="1" spc="-15" dirty="0">
                 <a:solidFill>
                   <a:srgbClr val="777879"/>
                 </a:solidFill>
                 <a:latin typeface="AdobeClean-LightIt"/>
                 <a:cs typeface="AdobeClean-LightIt"/>
               </a:rPr>
-              <a:t> </a:t>
-            </a:r>
-            <a:r>
-              <a:rPr sz="1100" i="1" spc="-15" dirty="0">
+              <a:t>您</a:t>
+            </a:r>
+            <a:r>
+              <a:rPr lang="ja-jp" sz="1100" i="1" spc="-70" dirty="0">
                 <a:solidFill>
                   <a:srgbClr val="777879"/>
                 </a:solidFill>
                 <a:latin typeface="AdobeClean-LightIt"/>
                 <a:cs typeface="AdobeClean-LightIt"/>
               </a:rPr>
-              <a:t>for</a:t>
-            </a:r>
-            <a:r>
-              <a:rPr sz="1100" i="1" spc="-85" dirty="0">
+              <a:t> </a:t>
+            </a:r>
+            <a:r>
+              <a:rPr lang="ja-jp" sz="1100" i="1" spc="-15" dirty="0">
                 <a:solidFill>
                   <a:srgbClr val="777879"/>
                 </a:solidFill>
                 <a:latin typeface="AdobeClean-LightIt"/>
                 <a:cs typeface="AdobeClean-LightIt"/>
               </a:rPr>
-              <a:t> </a:t>
-            </a:r>
-            <a:r>
-              <a:rPr sz="1100" i="1" spc="-15" dirty="0">
+              <a:t>指定的</a:t>
+            </a:r>
+            <a:r>
+              <a:rPr lang="ja-jp" sz="1100" i="1" spc="-55" dirty="0">
                 <a:solidFill>
                   <a:srgbClr val="777879"/>
                 </a:solidFill>
                 <a:latin typeface="AdobeClean-LightIt"/>
                 <a:cs typeface="AdobeClean-LightIt"/>
               </a:rPr>
-              <a:t>you,</a:t>
-            </a:r>
-            <a:r>
-              <a:rPr sz="1100" i="1" spc="-65" dirty="0">
+              <a:t> </a:t>
+            </a:r>
+            <a:r>
+              <a:rPr lang="ja-jp" sz="1100" i="1" spc="-25" dirty="0">
                 <a:solidFill>
                   <a:srgbClr val="777879"/>
                 </a:solidFill>
                 <a:latin typeface="AdobeClean-LightIt"/>
                 <a:cs typeface="AdobeClean-LightIt"/>
               </a:rPr>
-              <a:t> </a:t>
-            </a:r>
-            <a:r>
-              <a:rPr sz="1100" i="1" spc="-15" dirty="0">
+              <a:t>帳戶</a:t>
+            </a:r>
+            <a:r>
+              <a:rPr lang="ja-jp" sz="1100" i="1" spc="-20" dirty="0">
                 <a:solidFill>
                   <a:srgbClr val="777879"/>
                 </a:solidFill>
                 <a:latin typeface="AdobeClean-LightIt"/>
                 <a:cs typeface="AdobeClean-LightIt"/>
               </a:rPr>
-              <a:t>contact</a:t>
-            </a:r>
-            <a:r>
-              <a:rPr sz="1100" i="1" spc="-85" dirty="0">
+              <a:t>經理 </a:t>
+            </a:r>
+            <a:r>
+              <a:rPr lang="ja-jp" sz="1100" i="1" spc="-15" dirty="0">
                 <a:solidFill>
                   <a:srgbClr val="777879"/>
                 </a:solidFill>
                 <a:latin typeface="AdobeClean-LightIt"/>
                 <a:cs typeface="AdobeClean-LightIt"/>
               </a:rPr>
-              <a:t> </a:t>
-            </a:r>
-            <a:r>
-              <a:rPr sz="1100" i="1" spc="-15" dirty="0">
+              <a:t>(NAM) </a:t>
+            </a:r>
+            <a:r>
+              <a:rPr lang="ja-jp" sz="1100" i="1" spc="-10" dirty="0">
                 <a:solidFill>
                   <a:srgbClr val="777879"/>
                 </a:solidFill>
                 <a:latin typeface="AdobeClean-LightIt"/>
                 <a:cs typeface="AdobeClean-LightIt"/>
               </a:rPr>
-              <a:t>your</a:t>
-            </a:r>
-            <a:r>
-              <a:rPr sz="1100" i="1" spc="-70" dirty="0">
+              <a:t>或</a:t>
+            </a:r>
+            <a:r>
+              <a:rPr lang="ja-jp" sz="1100" i="1" spc="-15" dirty="0">
                 <a:solidFill>
                   <a:srgbClr val="777879"/>
                 </a:solidFill>
                 <a:latin typeface="AdobeClean-LightIt"/>
                 <a:cs typeface="AdobeClean-LightIt"/>
               </a:rPr>
-              <a:t> </a:t>
-            </a:r>
-            <a:r>
-              <a:rPr sz="1100" i="1" spc="-15" dirty="0">
+              <a:t>客戶</a:t>
+            </a:r>
+            <a:r>
+              <a:rPr lang="ja-jp" sz="1100" i="1" spc="-20" dirty="0">
                 <a:solidFill>
                   <a:srgbClr val="777879"/>
                 </a:solidFill>
                 <a:latin typeface="AdobeClean-LightIt"/>
                 <a:cs typeface="AdobeClean-LightIt"/>
               </a:rPr>
-              <a:t>Named</a:t>
-            </a:r>
-            <a:r>
-              <a:rPr sz="1100" i="1" spc="-55" dirty="0">
+              <a:t>成功</a:t>
+            </a:r>
+            <a:r>
+              <a:rPr lang="ja-jp" sz="1100" i="1" spc="-180" dirty="0">
                 <a:solidFill>
                   <a:srgbClr val="777879"/>
                 </a:solidFill>
@@ -10900,124 +11224,14 @@
               <a:t> </a:t>
             </a:r>
             <a:r>
-              <a:rPr sz="1100" i="1" spc="-25" dirty="0">
+              <a:rPr lang="ja-jp" sz="1100" i="1" spc="-15" dirty="0">
                 <a:solidFill>
                   <a:srgbClr val="777879"/>
                 </a:solidFill>
                 <a:latin typeface="AdobeClean-LightIt"/>
                 <a:cs typeface="AdobeClean-LightIt"/>
               </a:rPr>
-              <a:t>Account</a:t>
-            </a:r>
-            <a:r>
-              <a:rPr sz="1100" i="1" spc="-120" dirty="0">
-                <a:solidFill>
-                  <a:srgbClr val="777879"/>
-                </a:solidFill>
-                <a:latin typeface="AdobeClean-LightIt"/>
-                <a:cs typeface="AdobeClean-LightIt"/>
-              </a:rPr>
-              <a:t> </a:t>
-            </a:r>
-            <a:r>
-              <a:rPr sz="1100" i="1" spc="-20" dirty="0">
-                <a:solidFill>
-                  <a:srgbClr val="777879"/>
-                </a:solidFill>
-                <a:latin typeface="AdobeClean-LightIt"/>
-                <a:cs typeface="AdobeClean-LightIt"/>
-              </a:rPr>
-              <a:t>Manager </a:t>
-            </a:r>
-            <a:r>
-              <a:rPr sz="1100" i="1" spc="-15" dirty="0">
-                <a:solidFill>
-                  <a:srgbClr val="777879"/>
-                </a:solidFill>
-                <a:latin typeface="AdobeClean-LightIt"/>
-                <a:cs typeface="AdobeClean-LightIt"/>
-              </a:rPr>
-              <a:t>(NAM) </a:t>
-            </a:r>
-            <a:r>
-              <a:rPr sz="1100" i="1" spc="-10" dirty="0">
-                <a:solidFill>
-                  <a:srgbClr val="777879"/>
-                </a:solidFill>
-                <a:latin typeface="AdobeClean-LightIt"/>
-                <a:cs typeface="AdobeClean-LightIt"/>
-              </a:rPr>
-              <a:t>or </a:t>
-            </a:r>
-            <a:r>
-              <a:rPr sz="1100" i="1" spc="-15" dirty="0">
-                <a:solidFill>
-                  <a:srgbClr val="777879"/>
-                </a:solidFill>
-                <a:latin typeface="AdobeClean-LightIt"/>
-                <a:cs typeface="AdobeClean-LightIt"/>
-              </a:rPr>
-              <a:t>Customer </a:t>
-            </a:r>
-            <a:r>
-              <a:rPr sz="1100" i="1" spc="-20" dirty="0">
-                <a:solidFill>
-                  <a:srgbClr val="777879"/>
-                </a:solidFill>
-                <a:latin typeface="AdobeClean-LightIt"/>
-                <a:cs typeface="AdobeClean-LightIt"/>
-              </a:rPr>
-              <a:t>Success</a:t>
-            </a:r>
-            <a:r>
-              <a:rPr sz="1100" i="1" spc="-180" dirty="0">
-                <a:solidFill>
-                  <a:srgbClr val="777879"/>
-                </a:solidFill>
-                <a:latin typeface="AdobeClean-LightIt"/>
-                <a:cs typeface="AdobeClean-LightIt"/>
-              </a:rPr>
-              <a:t> </a:t>
-            </a:r>
-            <a:r>
-              <a:rPr sz="1100" i="1" spc="-15" dirty="0">
-                <a:solidFill>
-                  <a:srgbClr val="777879"/>
-                </a:solidFill>
-                <a:latin typeface="AdobeClean-LightIt"/>
-                <a:cs typeface="AdobeClean-LightIt"/>
-              </a:rPr>
-              <a:t>Manager</a:t>
-            </a:r>
-            <a:r>
-              <a:rPr lang="en-US" sz="1100" i="1" spc="-15" dirty="0">
-                <a:solidFill>
-                  <a:srgbClr val="777879"/>
-                </a:solidFill>
-                <a:latin typeface="AdobeClean-LightIt"/>
-                <a:cs typeface="AdobeClean-LightIt"/>
-              </a:rPr>
-              <a:t> </a:t>
-            </a:r>
-            <a:r>
-              <a:rPr sz="1100" i="1" spc="-15" dirty="0">
-                <a:solidFill>
-                  <a:srgbClr val="777879"/>
-                </a:solidFill>
-                <a:latin typeface="AdobeClean-LightIt"/>
-                <a:cs typeface="AdobeClean-LightIt"/>
-              </a:rPr>
-              <a:t>(CSM)</a:t>
-            </a:r>
-            <a:r>
-              <a:rPr lang="en-US" sz="1100" i="1" spc="-15" dirty="0">
-                <a:solidFill>
-                  <a:srgbClr val="777879"/>
-                </a:solidFill>
-                <a:latin typeface="AdobeClean-LightIt"/>
-                <a:cs typeface="AdobeClean-LightIt"/>
-              </a:rPr>
-              <a:t>.</a:t>
+              <a:t>經理 (CSM)。</a:t>
             </a:r>
             <a:endParaRPr sz="1100" dirty="0">
               <a:latin typeface="AdobeClean-LightIt"/>
@@ -11034,54 +11248,34 @@
               </a:spcBef>
             </a:pPr>
             <a:r>
-              <a:rPr sz="800" spc="-5" dirty="0">
+              <a:rPr lang="ja-jp" sz="800" spc="-5" dirty="0">
                 <a:solidFill>
                   <a:srgbClr val="6D6D6D"/>
                 </a:solidFill>
                 <a:latin typeface="Adobe Clean"/>
                 <a:cs typeface="Adobe Clean"/>
               </a:rPr>
-              <a:t>©202</a:t>
-            </a:r>
-            <a:r>
-              <a:rPr lang="en-US" sz="800" spc="-5" dirty="0">
+              <a:t>©2022 Adobe。All rights reserved.Adobe</a:t>
+            </a:r>
+            <a:r>
+              <a:rPr lang="ja-jp" sz="800" spc="75" dirty="0">
                 <a:solidFill>
                   <a:srgbClr val="6D6D6D"/>
                 </a:solidFill>
                 <a:latin typeface="Adobe Clean"/>
                 <a:cs typeface="Adobe Clean"/>
               </a:rPr>
-              <a:t>2</a:t>
-            </a:r>
-            <a:r>
-              <a:rPr sz="800" spc="-5" dirty="0">
+              <a:t> </a:t>
+            </a:r>
+            <a:r>
+              <a:rPr lang="ja-jp" sz="800" spc="-5" dirty="0">
                 <a:solidFill>
                   <a:srgbClr val="6D6D6D"/>
                 </a:solidFill>
                 <a:latin typeface="Adobe Clean"/>
                 <a:cs typeface="Adobe Clean"/>
               </a:rPr>
-              <a:t> Adobe. All Rights Reserved. Adobe</a:t>
-            </a:r>
-            <a:r>
-              <a:rPr sz="800" spc="75" dirty="0">
-                <a:solidFill>
-                  <a:srgbClr val="6D6D6D"/>
-                </a:solidFill>
-                <a:latin typeface="Adobe Clean"/>
-                <a:cs typeface="Adobe Clean"/>
-              </a:rPr>
-              <a:t> </a:t>
-            </a:r>
-            <a:r>
-              <a:rPr sz="800" spc="-5" dirty="0">
-                <a:solidFill>
-                  <a:srgbClr val="6D6D6D"/>
-                </a:solidFill>
-                <a:latin typeface="Adobe Clean"/>
-                <a:cs typeface="Adobe Clean"/>
-              </a:rPr>
-              <a:t>Confidential.</a:t>
+              <a:t>機密資訊。</a:t>
             </a:r>
             <a:endParaRPr sz="800" dirty="0">
               <a:latin typeface="Adobe Clean"/>
@@ -11123,14 +11317,14 @@
               </a:spcBef>
             </a:pPr>
             <a:r>
-              <a:rPr lang="en-US" sz="1400" b="1" spc="-15" dirty="0">
+              <a:rPr lang="ja-jp" sz="1400" b="1" spc="-15" dirty="0">
                 <a:solidFill>
                   <a:srgbClr val="020302"/>
                 </a:solidFill>
                 <a:latin typeface="Adobe Clean"/>
                 <a:cs typeface="Adobe Clean"/>
               </a:rPr>
-              <a:t>Regional Hours Of Operation And Language Support</a:t>
+              <a:t>地區營業時間和語言支援</a:t>
             </a:r>
           </a:p>
           <a:p>
@@ -11140,13 +11334,13 @@
               </a:spcBef>
             </a:pPr>
             <a:r>
-              <a:rPr lang="en-US" sz="1000" spc="-15" dirty="0">
+              <a:rPr lang="ja-jp" sz="1000" spc="-15" dirty="0">
                 <a:solidFill>
                   <a:srgbClr val="1F1F1F"/>
                 </a:solidFill>
                 <a:latin typeface="AdobeClean-Light"/>
               </a:rPr>
-              <a:t>Adobe’s local business hours align to the customer’s billing region.</a:t>
+              <a:t>Adobe 當地營業時間與客戶帳單的區域一致。</a:t>
             </a:r>
           </a:p>
         </p:txBody>
@@ -11173,7 +11367,7 @@
         </p:nvGraphicFramePr>
         <p:xfrm>
           <a:off x="171128" y="5907213"/>
-          <a:ext cx="7391400" cy="1336040"/>
+          <a:ext cx="7391400" cy="1280160"/>
         </p:xfrm>
         <a:graphic>
           <a:graphicData uri="http://schemas.openxmlformats.org/drawingml/2006/table">
@@ -11219,16 +11413,16 @@
                     <a:p>
                       <a:pPr algn="ctr"/>
                       <a:r>
-                        <a:rPr lang="en-US" sz="1100" dirty="0">
+                        <a:rPr lang="ja-jp" sz="1100" dirty="0">
                           <a:solidFill>
                             <a:schemeClr val="tx1"/>
                           </a:solidFill>
                           <a:latin typeface="Adobe Clean" panose="020B0503020404020204" pitchFamily="34" charset="0"/>
                         </a:rPr>
-                        <a:t>Americas </a:t>
+                        <a:t>美洲 </a:t>
                       </a:r>
                       <a:r>
-                        <a:rPr lang="en-US" sz="1100" baseline="30000" dirty="0">
+                        <a:rPr lang="ja-jp" sz="1100" baseline="30000" dirty="0">
                           <a:solidFill>
                             <a:schemeClr val="tx1"/>
                           </a:solidFill>
@@ -11293,13 +11487,13 @@
                     <a:p>
                       <a:pPr algn="ctr"/>
                       <a:r>
-                        <a:rPr lang="en-US" sz="1100" dirty="0">
+                        <a:rPr lang="ja-jp" sz="1100" dirty="0">
                           <a:solidFill>
                             <a:schemeClr val="tx1"/>
                           </a:solidFill>
                           <a:latin typeface="Adobe Clean" panose="020B0503020404020204" pitchFamily="34" charset="0"/>
                         </a:rPr>
-                        <a:t>Europe, Middle East &amp; Africa</a:t>
+                        <a:t>歐洲、中東與非洲</a:t>
                       </a:r>
                     </a:p>
                   </a:txBody>
@@ -11358,13 +11552,13 @@
                     <a:p>
                       <a:pPr algn="ctr"/>
                       <a:r>
-                        <a:rPr lang="en-US" sz="1100" dirty="0">
+                        <a:rPr lang="ja-jp" sz="1100" dirty="0">
                           <a:solidFill>
                             <a:schemeClr val="tx1"/>
                           </a:solidFill>
                           <a:latin typeface="Adobe Clean" panose="020B0503020404020204" pitchFamily="34" charset="0"/>
                         </a:rPr>
-                        <a:t>Asia Pacific</a:t>
+                        <a:t>亞太地區</a:t>
                       </a:r>
                     </a:p>
                   </a:txBody>
@@ -11423,13 +11617,13 @@
                     <a:p>
                       <a:pPr algn="ctr"/>
                       <a:r>
-                        <a:rPr lang="en-US" sz="1100" dirty="0">
+                        <a:rPr lang="ja-jp" sz="1100" dirty="0">
                           <a:solidFill>
                             <a:schemeClr val="tx1"/>
                           </a:solidFill>
                           <a:latin typeface="Adobe Clean" panose="020B0503020404020204" pitchFamily="34" charset="0"/>
                         </a:rPr>
-                        <a:t>Japan </a:t>
+                        <a:t>日本</a:t>
                       </a:r>
                     </a:p>
                   </a:txBody>
@@ -11495,7 +11689,7 @@
                     <a:p>
                       <a:pPr algn="ctr"/>
                       <a:r>
-                        <a:rPr lang="en-US" sz="1100" dirty="0">
+                        <a:rPr lang="ja-jp" sz="1100" dirty="0">
                           <a:solidFill>
                             <a:schemeClr val="tx1"/>
                           </a:solidFill>
@@ -11560,13 +11754,13 @@
                     <a:p>
                       <a:pPr algn="ctr"/>
                       <a:r>
-                        <a:rPr lang="en-US" sz="1100" dirty="0">
+                        <a:rPr lang="ja-jp" sz="1100" dirty="0">
                           <a:solidFill>
                             <a:schemeClr val="tx1"/>
                           </a:solidFill>
                           <a:latin typeface="Adobe Clean" panose="020B0503020404020204" pitchFamily="34" charset="0"/>
                         </a:rPr>
-                        <a:t>9 am – 5 pm</a:t>
+                        <a:t>上午 9 點 – 下午 5 點</a:t>
                       </a:r>
                     </a:p>
                   </a:txBody>
@@ -11625,13 +11819,13 @@
                     <a:p>
                       <a:pPr algn="ctr"/>
                       <a:r>
-                        <a:rPr lang="en-US" sz="1100" dirty="0">
+                        <a:rPr lang="ja-jp" sz="1100" dirty="0">
                           <a:solidFill>
                             <a:schemeClr val="tx1"/>
                           </a:solidFill>
                           <a:latin typeface="Adobe Clean" panose="020B0503020404020204" pitchFamily="34" charset="0"/>
                         </a:rPr>
-                        <a:t>9 am – 5 pm</a:t>
+                        <a:t>上午 9 點 – 下午 5 點</a:t>
                       </a:r>
                     </a:p>
                   </a:txBody>
@@ -11690,13 +11884,13 @@
                     <a:p>
                       <a:pPr algn="ctr"/>
                       <a:r>
-                        <a:rPr lang="en-US" sz="1100" dirty="0">
+                        <a:rPr lang="ja-jp" sz="1100" dirty="0">
                           <a:solidFill>
                             <a:schemeClr val="tx1"/>
                           </a:solidFill>
                           <a:latin typeface="Adobe Clean" panose="020B0503020404020204" pitchFamily="34" charset="0"/>
                         </a:rPr>
-                        <a:t>9 am – 5:30 pm</a:t>
+                        <a:t>上午 9 點 – 下午 5:30</a:t>
                       </a:r>
                     </a:p>
                   </a:txBody>
@@ -11803,7 +11997,7 @@
                         <a:defRPr/>
                       </a:pPr>
                       <a:r>
-                        <a:rPr lang="en-US" sz="1100" baseline="30000" dirty="0">
+                        <a:rPr lang="ja-jp" sz="1100" baseline="30000" dirty="0">
                           <a:solidFill>
                             <a:schemeClr val="tx1"/>
                           </a:solidFill>
@@ -11812,13 +12006,13 @@
                         <a:t>1</a:t>
                       </a:r>
                       <a:r>
-                        <a:rPr lang="en-US" sz="1100" dirty="0">
+                        <a:rPr lang="ja-jp" sz="1100" dirty="0">
                           <a:solidFill>
                             <a:schemeClr val="tx1"/>
                           </a:solidFill>
                           <a:latin typeface="Adobe Clean" panose="020B0503020404020204" pitchFamily="34" charset="0"/>
                         </a:rPr>
-                        <a:t>Americas Language support available in English only.</a:t>
+                        <a:t>美洲語言支援僅提供英文。</a:t>
                       </a:r>
                     </a:p>
                     <a:p>
@@ -12216,124 +12410,34 @@
               </a:spcBef>
             </a:pPr>
             <a:r>
-              <a:rPr sz="1200" b="1" spc="-15" dirty="0">
+              <a:rPr lang="ja-jp" sz="1200" b="1" spc="-15" dirty="0">
                 <a:solidFill>
                   <a:srgbClr val="FFFFFF"/>
                 </a:solidFill>
                 <a:latin typeface="Adobe Clean"/>
                 <a:cs typeface="Adobe Clean"/>
               </a:rPr>
-              <a:t>U</a:t>
-            </a:r>
-            <a:r>
-              <a:rPr sz="1200" b="1" spc="-20" dirty="0">
+              <a:t>無與倫比的</a:t>
+            </a:r>
+            <a:r>
+              <a:rPr lang="ja-jp" sz="1200" b="1" spc="-20" dirty="0">
                 <a:solidFill>
                   <a:srgbClr val="FFFFFF"/>
                 </a:solidFill>
                 <a:latin typeface="Adobe Clean"/>
                 <a:cs typeface="Adobe Clean"/>
               </a:rPr>
-              <a:t>n</a:t>
-            </a:r>
-            <a:r>
-              <a:rPr sz="1200" b="1" spc="-25" dirty="0">
+              <a:t>專業知識</a:t>
+            </a:r>
+            <a:r>
+              <a:rPr lang="ja-jp" sz="1200" b="1" dirty="0">
                 <a:solidFill>
                   <a:srgbClr val="FFFFFF"/>
                 </a:solidFill>
                 <a:latin typeface="Adobe Clean"/>
                 <a:cs typeface="Adobe Clean"/>
               </a:rPr>
-              <a:t>p</a:t>
-            </a:r>
-            <a:r>
-              <a:rPr sz="1200" b="1" spc="-15" dirty="0">
-                <a:solidFill>
-                  <a:srgbClr val="FFFFFF"/>
-                </a:solidFill>
-                <a:latin typeface="Adobe Clean"/>
-                <a:cs typeface="Adobe Clean"/>
-              </a:rPr>
-              <a:t>a</a:t>
-            </a:r>
-            <a:r>
-              <a:rPr sz="1200" b="1" spc="-25" dirty="0">
-                <a:solidFill>
-                  <a:srgbClr val="FFFFFF"/>
-                </a:solidFill>
-                <a:latin typeface="Adobe Clean"/>
-                <a:cs typeface="Adobe Clean"/>
-              </a:rPr>
-              <a:t>r</a:t>
-            </a:r>
-            <a:r>
-              <a:rPr sz="1200" b="1" spc="-15" dirty="0">
-                <a:solidFill>
-                  <a:srgbClr val="FFFFFF"/>
-                </a:solidFill>
-                <a:latin typeface="Adobe Clean"/>
-                <a:cs typeface="Adobe Clean"/>
-              </a:rPr>
-              <a:t>a</a:t>
-            </a:r>
-            <a:r>
-              <a:rPr sz="1200" b="1" spc="-30" dirty="0">
-                <a:solidFill>
-                  <a:srgbClr val="FFFFFF"/>
-                </a:solidFill>
-                <a:latin typeface="Adobe Clean"/>
-                <a:cs typeface="Adobe Clean"/>
-              </a:rPr>
-              <a:t>ll</a:t>
-            </a:r>
-            <a:r>
-              <a:rPr sz="1200" b="1" spc="-25" dirty="0">
-                <a:solidFill>
-                  <a:srgbClr val="FFFFFF"/>
-                </a:solidFill>
-                <a:latin typeface="Adobe Clean"/>
-                <a:cs typeface="Adobe Clean"/>
-              </a:rPr>
-              <a:t>e</a:t>
-            </a:r>
-            <a:r>
-              <a:rPr sz="1200" b="1" spc="-30" dirty="0">
-                <a:solidFill>
-                  <a:srgbClr val="FFFFFF"/>
-                </a:solidFill>
-                <a:latin typeface="Adobe Clean"/>
-                <a:cs typeface="Adobe Clean"/>
-              </a:rPr>
-              <a:t>l</a:t>
-            </a:r>
-            <a:r>
-              <a:rPr sz="1200" b="1" spc="-25" dirty="0">
-                <a:solidFill>
-                  <a:srgbClr val="FFFFFF"/>
-                </a:solidFill>
-                <a:latin typeface="Adobe Clean"/>
-                <a:cs typeface="Adobe Clean"/>
-              </a:rPr>
-              <a:t>e</a:t>
-            </a:r>
-            <a:r>
-              <a:rPr sz="1200" b="1" dirty="0">
-                <a:solidFill>
-                  <a:srgbClr val="FFFFFF"/>
-                </a:solidFill>
-                <a:latin typeface="Adobe Clean"/>
-                <a:cs typeface="Adobe Clean"/>
-              </a:rPr>
-              <a:t>d  </a:t>
-            </a:r>
-            <a:r>
-              <a:rPr sz="1200" b="1" spc="-25" dirty="0">
-                <a:solidFill>
-                  <a:srgbClr val="FFFFFF"/>
-                </a:solidFill>
-                <a:latin typeface="Adobe Clean"/>
-                <a:cs typeface="Adobe Clean"/>
-              </a:rPr>
-              <a:t>Expertise</a:t>
+              <a:t> </a:t>
             </a:r>
             <a:endParaRPr sz="1200" dirty="0">
               <a:latin typeface="Adobe Clean"/>
@@ -12378,14 +12482,14 @@
               </a:spcBef>
             </a:pPr>
             <a:r>
-              <a:rPr lang="en-US" sz="1200" b="1" spc="-15" dirty="0">
+              <a:rPr lang="ja-jp" sz="1200" b="1" spc="-15" dirty="0">
                 <a:solidFill>
                   <a:srgbClr val="FFFFFF"/>
                 </a:solidFill>
                 <a:latin typeface="Adobe Clean"/>
                 <a:cs typeface="Adobe Clean"/>
               </a:rPr>
-              <a:t>Accelerated Support</a:t>
+              <a:t>加速支援</a:t>
             </a:r>
             <a:endParaRPr sz="1200" dirty="0">
               <a:latin typeface="Adobe Clean"/>
@@ -12430,104 +12534,44 @@
               </a:spcBef>
             </a:pPr>
             <a:r>
-              <a:rPr sz="1200" b="1" spc="-50" dirty="0">
+              <a:rPr lang="ja-jp" sz="1200" b="1" spc="-50" dirty="0">
                 <a:solidFill>
                   <a:srgbClr val="FFFFFF"/>
                 </a:solidFill>
                 <a:latin typeface="Adobe Clean"/>
                 <a:cs typeface="Adobe Clean"/>
               </a:rPr>
-              <a:t>S</a:t>
-            </a:r>
-            <a:r>
-              <a:rPr sz="1200" b="1" spc="-20" dirty="0">
+              <a:t>策</a:t>
+            </a:r>
+            <a:r>
+              <a:rPr lang="ja-jp" sz="1200" b="1" spc="-20" dirty="0">
                 <a:solidFill>
                   <a:srgbClr val="FFFFFF"/>
                 </a:solidFill>
                 <a:latin typeface="Adobe Clean"/>
                 <a:cs typeface="Adobe Clean"/>
               </a:rPr>
-              <a:t>t</a:t>
-            </a:r>
-            <a:r>
-              <a:rPr sz="1200" b="1" spc="-75" dirty="0">
+              <a:t>略</a:t>
+            </a:r>
+            <a:r>
+              <a:rPr lang="ja-jp" sz="1200" b="1" spc="-75" dirty="0">
                 <a:solidFill>
                   <a:srgbClr val="FFFFFF"/>
                 </a:solidFill>
                 <a:latin typeface="Adobe Clean"/>
                 <a:cs typeface="Adobe Clean"/>
               </a:rPr>
-              <a:t>r</a:t>
-            </a:r>
-            <a:r>
-              <a:rPr sz="1200" b="1" spc="-90" dirty="0">
+              <a:t>性</a:t>
+            </a:r>
+            <a:r>
+              <a:rPr lang="ja-jp" sz="1200" b="1" spc="-45" dirty="0">
                 <a:solidFill>
                   <a:srgbClr val="FFFFFF"/>
                 </a:solidFill>
                 <a:latin typeface="Adobe Clean"/>
                 <a:cs typeface="Adobe Clean"/>
               </a:rPr>
-              <a:t>a</a:t>
-            </a:r>
-            <a:r>
-              <a:rPr sz="1200" b="1" spc="-55" dirty="0">
-                <a:solidFill>
-                  <a:srgbClr val="FFFFFF"/>
-                </a:solidFill>
-                <a:latin typeface="Adobe Clean"/>
-                <a:cs typeface="Adobe Clean"/>
-              </a:rPr>
-              <a:t>t</a:t>
-            </a:r>
-            <a:r>
-              <a:rPr sz="1200" b="1" spc="-100" dirty="0">
-                <a:solidFill>
-                  <a:srgbClr val="FFFFFF"/>
-                </a:solidFill>
-                <a:latin typeface="Adobe Clean"/>
-                <a:cs typeface="Adobe Clean"/>
-              </a:rPr>
-              <a:t>e</a:t>
-            </a:r>
-            <a:r>
-              <a:rPr sz="1200" b="1" spc="-80" dirty="0">
-                <a:solidFill>
-                  <a:srgbClr val="FFFFFF"/>
-                </a:solidFill>
-                <a:latin typeface="Adobe Clean"/>
-                <a:cs typeface="Adobe Clean"/>
-              </a:rPr>
-              <a:t>g</a:t>
-            </a:r>
-            <a:r>
-              <a:rPr sz="1200" b="1" spc="-35" dirty="0">
-                <a:solidFill>
-                  <a:srgbClr val="FFFFFF"/>
-                </a:solidFill>
-                <a:latin typeface="Adobe Clean"/>
-                <a:cs typeface="Adobe Clean"/>
-              </a:rPr>
-              <a:t>i</a:t>
-            </a:r>
-            <a:r>
-              <a:rPr sz="1200" b="1" dirty="0">
-                <a:solidFill>
-                  <a:srgbClr val="FFFFFF"/>
-                </a:solidFill>
-                <a:latin typeface="Adobe Clean"/>
-                <a:cs typeface="Adobe Clean"/>
-              </a:rPr>
-              <a:t>c  </a:t>
-            </a:r>
-            <a:r>
-              <a:rPr sz="1200" b="1" spc="-45" dirty="0">
-                <a:solidFill>
-                  <a:srgbClr val="FFFFFF"/>
-                </a:solidFill>
-                <a:latin typeface="Adobe Clean"/>
-                <a:cs typeface="Adobe Clean"/>
-              </a:rPr>
-              <a:t>Advice</a:t>
+              <a:t>建議</a:t>
             </a:r>
             <a:endParaRPr sz="1200" dirty="0">
               <a:latin typeface="Adobe Clean"/>
@@ -12538,7 +12582,7 @@
       </p:sp>
       <p:pic>
         <p:nvPicPr>
-          <p:cNvPr id="8" name="Graphic 7" descr="Target outline">
+          <p:cNvPr id="8" name="Graphic 7" descr="目標大綱">
             <a:extLst>
               <a:ext uri="{FF2B5EF4-FFF2-40B4-BE49-F238E27FC236}">
                 <a16:creationId xmlns:a16="http://schemas.microsoft.com/office/drawing/2014/main" id="{1EAA263E-04A7-0D46-952E-EA3033B45116}"/>
@@ -12577,7 +12621,7 @@
       </p:pic>
       <p:pic>
         <p:nvPicPr>
-          <p:cNvPr id="10" name="Graphic 9" descr="Rocket outline">
+          <p:cNvPr id="10" name="Graphic 9" descr="火箭大綱">
             <a:extLst>
               <a:ext uri="{FF2B5EF4-FFF2-40B4-BE49-F238E27FC236}">
                 <a16:creationId xmlns:a16="http://schemas.microsoft.com/office/drawing/2014/main" id="{A068EBC3-B418-4E4A-A520-101CA4B39F23}"/>
@@ -12616,7 +12660,7 @@
       </p:pic>
       <p:pic>
         <p:nvPicPr>
-          <p:cNvPr id="12" name="Graphic 11" descr="Medal outline">
+          <p:cNvPr id="12" name="Graphic 11" descr="獎章概述">
             <a:extLst>
               <a:ext uri="{FF2B5EF4-FFF2-40B4-BE49-F238E27FC236}">
                 <a16:creationId xmlns:a16="http://schemas.microsoft.com/office/drawing/2014/main" id="{C7BEFC2D-0CA6-0448-B9FA-6E1581CA6D36}"/>
@@ -12675,7 +12719,7 @@
         </p:nvGraphicFramePr>
         <p:xfrm>
           <a:off x="194237" y="1272353"/>
-          <a:ext cx="7368291" cy="2473960"/>
+          <a:ext cx="7368291" cy="2016760"/>
         </p:xfrm>
         <a:graphic>
           <a:graphicData uri="http://schemas.openxmlformats.org/drawingml/2006/table">
@@ -12709,7 +12753,7 @@
                         <a:buNone/>
                       </a:pPr>
                       <a:r>
-                        <a:rPr lang="en-US" sz="1200" b="0" strike="noStrike" dirty="0">
+                        <a:rPr lang="ja-jp" sz="1200" b="0" strike="noStrike" dirty="0">
                           <a:solidFill>
                             <a:srgbClr val="5F5F5F"/>
                           </a:solidFill>
@@ -12718,9 +12762,9 @@
                           <a:cs typeface="+mn-cs"/>
                           <a:hlinkClick r:id="rId14"/>
                         </a:rPr>
-                        <a:t>Enterprise Learn &amp; Support</a:t>
+                        <a:t>企業學習與支援</a:t>
                       </a:r>
-                      <a:endParaRPr lang="en-US"/>
+                      <a:endParaRPr lang="en-US" dirty="0"/>
                     </a:p>
                   </a:txBody>
                   <a:tcPr marL="47625" marR="47625" marT="0" marB="0" anchor="ctr">
@@ -12792,7 +12836,7 @@
                         <a:buNone/>
                       </a:pPr>
                       <a:r>
-                        <a:rPr lang="en-US" sz="1000" b="0" strike="noStrike" kern="1200" dirty="0">
+                        <a:rPr lang="ja-jp" sz="1000" b="0" strike="noStrike" kern="1200" dirty="0">
                           <a:solidFill>
                             <a:schemeClr val="tx1"/>
                           </a:solidFill>
@@ -12800,7 +12844,7 @@
                           <a:ea typeface="+mn-ea"/>
                           <a:cs typeface="+mn-cs"/>
                         </a:rPr>
-                        <a:t>Enterprise Learn &amp; Support is a place where Adobe customers can find self-help tutorials, product documentation, instructor-led training, community and support for select Adobe Creative Cloud and Document products.</a:t>
+                        <a:t>企業學習與支援是可供 Adobe 客戶找到自助式教學課程、產品文件、由講師授課的培訓課程、社群以及精選 Adobe Creative Cloud 和 Document 產品的支援的地方。</a:t>
                       </a:r>
                     </a:p>
                   </a:txBody>
@@ -12882,7 +12926,7 @@
                         <a:defRPr/>
                       </a:pPr>
                       <a:r>
-                        <a:rPr lang="en-US" sz="1200" strike="noStrike" dirty="0">
+                        <a:rPr lang="ja-jp" sz="1200" strike="noStrike" dirty="0">
                           <a:solidFill>
                             <a:srgbClr val="5F5F5F"/>
                           </a:solidFill>
@@ -12898,7 +12942,7 @@
                             </a:extLst>
                           </a:hlinkClick>
                         </a:rPr>
-                        <a:t>Adobe Support Community </a:t>
+                        <a:t>Adobe 支援社群</a:t>
                       </a:r>
                       <a:endParaRPr lang="en-US" sz="1200" strike="noStrike" dirty="0">
                         <a:solidFill>
@@ -12982,7 +13026,7 @@
                         <a:defRPr/>
                       </a:pPr>
                       <a:r>
-                        <a:rPr lang="en-US" sz="1000" strike="noStrike" kern="1200" dirty="0">
+                        <a:rPr lang="ja-jp" sz="1000" strike="noStrike" kern="1200" dirty="0">
                           <a:solidFill>
                             <a:schemeClr val="tx1"/>
                           </a:solidFill>
@@ -12990,7 +13034,7 @@
                           <a:ea typeface="+mn-ea"/>
                           <a:cs typeface="+mn-cs"/>
                         </a:rPr>
-                        <a:t>The Adobe Support Community is the place to ask questions, find answers, learn from experts and share your knowledge.</a:t>
+                        <a:t>Adobe 支援社群是提問、尋找答案、向專家學習和分享知識的地方。</a:t>
                       </a:r>
                       <a:endParaRPr lang="en-US" sz="1000" strike="noStrike" kern="1200" dirty="0">
                         <a:solidFill>
@@ -13083,7 +13127,7 @@
                         <a:defRPr/>
                       </a:pPr>
                       <a:r>
-                        <a:rPr lang="en-US" sz="1200" dirty="0">
+                        <a:rPr lang="ja-jp" sz="1200" dirty="0">
                           <a:solidFill>
                             <a:srgbClr val="5F5F5F"/>
                           </a:solidFill>
@@ -13099,7 +13143,7 @@
                             </a:extLst>
                           </a:hlinkClick>
                         </a:rPr>
-                        <a:t>Production Issues &amp; System Outages</a:t>
+                        <a:t>生產問題與系統中斷</a:t>
                       </a:r>
                       <a:endParaRPr lang="en-US" sz="1200" dirty="0">
                         <a:solidFill>
@@ -13183,7 +13227,7 @@
                         <a:defRPr/>
                       </a:pPr>
                       <a:r>
-                        <a:rPr lang="en-US" sz="1000" kern="1200" dirty="0">
+                        <a:rPr lang="ja-jp" sz="1000" kern="1200" dirty="0">
                           <a:solidFill>
                             <a:schemeClr val="tx1"/>
                           </a:solidFill>
@@ -13191,7 +13235,51 @@
                           <a:ea typeface="+mn-ea"/>
                           <a:cs typeface="+mn-cs"/>
                         </a:rPr>
-                        <a:t>Status.adobe.com conveys the health information of all Adobe products and services that are deployed in multi-tenant environments. Customers can choose their subscription preferences to get email notifications whenever Adobe creates, updates or resolves a product event. This can include scheduled maintenance or service issues of varying levels of severity. </a:t>
+                        <a:t>Status.adobe.com 會傳達所有在多租用戶環境中部署的 Adobe 產品與服務的健康資訊。客戶可以選擇其訂閱偏好</a:t>
+                      </a:r>
+                      <a:r>
+                        <a:rPr lang="ja-jp" sz="1000" kern="1200">
+                          <a:solidFill>
+                            <a:schemeClr val="tx1"/>
+                          </a:solidFill>
+                          <a:latin typeface="Adobe Clean Light" panose="020B0303020404020204" pitchFamily="34" charset="0"/>
+                          <a:ea typeface="+mn-ea"/>
+                          <a:cs typeface="+mn-cs"/>
+                        </a:rPr>
+                        <a:t>設定</a:t>
+                      </a:r>
+                      <a:r>
+                        <a:rPr lang="ja-JP" altLang="en-US" sz="1000" kern="1200">
+                          <a:solidFill>
+                            <a:schemeClr val="tx1"/>
+                          </a:solidFill>
+                          <a:latin typeface="Adobe Clean Light" panose="020B0303020404020204" pitchFamily="34" charset="0"/>
+                          <a:ea typeface="+mn-ea"/>
+                          <a:cs typeface="+mn-cs"/>
+                        </a:rPr>
+                        <a:t>、</a:t>
+                      </a:r>
+                      <a:r>
+                        <a:rPr lang="ja-jp" sz="1000" kern="1200">
+                          <a:solidFill>
+                            <a:schemeClr val="tx1"/>
+                          </a:solidFill>
+                          <a:latin typeface="Adobe Clean Light" panose="020B0303020404020204" pitchFamily="34" charset="0"/>
+                          <a:ea typeface="+mn-ea"/>
+                          <a:cs typeface="+mn-cs"/>
+                        </a:rPr>
+                        <a:t>以</a:t>
+                      </a:r>
+                      <a:r>
+                        <a:rPr lang="ja-jp" sz="1000" kern="1200" dirty="0">
+                          <a:solidFill>
+                            <a:schemeClr val="tx1"/>
+                          </a:solidFill>
+                          <a:latin typeface="Adobe Clean Light" panose="020B0303020404020204" pitchFamily="34" charset="0"/>
+                          <a:ea typeface="+mn-ea"/>
+                          <a:cs typeface="+mn-cs"/>
+                        </a:rPr>
+                        <a:t>便在 Adobe 建立、更新或解決產品事件時收到電子郵件通知。這可以包括預定的維護或是不同嚴重性等級的服務問題。</a:t>
                       </a:r>
                     </a:p>
                   </a:txBody>
@@ -13273,7 +13361,7 @@
                         <a:defRPr/>
                       </a:pPr>
                       <a:r>
-                        <a:rPr lang="en-US" sz="1200" dirty="0">
+                        <a:rPr lang="ja-jp" sz="1200" dirty="0">
                           <a:solidFill>
                             <a:srgbClr val="5F5F5F"/>
                           </a:solidFill>
@@ -13289,7 +13377,7 @@
                             </a:extLst>
                           </a:hlinkClick>
                         </a:rPr>
-                        <a:t>Terms and Conditions</a:t>
+                        <a:t>條款與條件</a:t>
                       </a:r>
                       <a:endParaRPr lang="en-US" sz="1200" dirty="0">
                         <a:solidFill>
@@ -13356,7 +13444,7 @@
                     <a:lstStyle/>
                     <a:p>
                       <a:r>
-                        <a:rPr lang="en-US" sz="1000" kern="1200" dirty="0">
+                        <a:rPr lang="ja-jp" sz="1000" kern="1200" dirty="0">
                           <a:solidFill>
                             <a:schemeClr val="tx1"/>
                           </a:solidFill>
@@ -13364,7 +13452,7 @@
                           <a:ea typeface="+mn-ea"/>
                           <a:cs typeface="+mn-cs"/>
                         </a:rPr>
-                        <a:t>Terms and conditions detailing Support Services offerings.</a:t>
+                        <a:t>詳述支援服務方案的條款與條件。</a:t>
                       </a:r>
                     </a:p>
                   </a:txBody>
@@ -14080,12 +14168,6 @@
 </file>
 
 <file path=customXml/item2.xml><?xml version="1.0" encoding="utf-8"?>
-<p:properties xmlns:p="http://schemas.microsoft.com/office/2006/metadata/properties" xmlns:xsi="http://www.w3.org/2001/XMLSchema-instance" xmlns:pc="http://schemas.microsoft.com/office/infopath/2007/PartnerControls">
-  <documentManagement/>
-</p:properties>
-</file>
-
-<file path=customXml/item3.xml><?xml version="1.0" encoding="utf-8"?>
 <ct:contentTypeSchema xmlns:ct="http://schemas.microsoft.com/office/2006/metadata/contentType" xmlns:ma="http://schemas.microsoft.com/office/2006/metadata/properties/metaAttributes" ct:_="" ma:_="" ma:contentTypeName="Document" ma:contentTypeID="0x0101009423269C2B3A1A408FE719AA0C68584E" ma:contentTypeVersion="12" ma:contentTypeDescription="Create a new document." ma:contentTypeScope="" ma:versionID="bb0e62b6784238cdabe687d3bb80e52e">
   <xsd:schema xmlns:xsd="http://www.w3.org/2001/XMLSchema" xmlns:xs="http://www.w3.org/2001/XMLSchema" xmlns:p="http://schemas.microsoft.com/office/2006/metadata/properties" xmlns:ns2="01e63850-2818-4a9f-a0cd-2d4201ad5cd5" xmlns:ns3="281057cd-4f7e-4aa3-94a7-05201549cd15" targetNamespace="http://schemas.microsoft.com/office/2006/metadata/properties" ma:root="true" ma:fieldsID="8056aed6c30138b1a2c5f47f967a193a" ns2:_="" ns3:_="">
     <xsd:import namespace="01e63850-2818-4a9f-a0cd-2d4201ad5cd5"/>
@@ -14302,6 +14384,12 @@
 </ct:contentTypeSchema>
 </file>
 
+<file path=customXml/item3.xml><?xml version="1.0" encoding="utf-8"?>
+<p:properties xmlns:p="http://schemas.microsoft.com/office/2006/metadata/properties" xmlns:xsi="http://www.w3.org/2001/XMLSchema-instance" xmlns:pc="http://schemas.microsoft.com/office/infopath/2007/PartnerControls">
+  <documentManagement/>
+</p:properties>
+</file>
+
 <file path=customXml/itemProps1.xml><?xml version="1.0" encoding="utf-8"?>
 <ds:datastoreItem xmlns:ds="http://schemas.openxmlformats.org/officeDocument/2006/customXml" ds:itemID="{95AE3B0B-E909-400C-B0B3-909FB50E07DE}">
   <ds:schemaRefs>
@@ -14311,23 +14399,6 @@
 </file>
 
 <file path=customXml/itemProps2.xml><?xml version="1.0" encoding="utf-8"?>
-<ds:datastoreItem xmlns:ds="http://schemas.openxmlformats.org/officeDocument/2006/customXml" ds:itemID="{10FC3CAF-E6F1-40E3-87D4-6B781C97D6B4}">
-  <ds:schemaRefs>
-    <ds:schemaRef ds:uri="01e63850-2818-4a9f-a0cd-2d4201ad5cd5"/>
-    <ds:schemaRef ds:uri="http://www.w3.org/XML/1998/namespace"/>
-    <ds:schemaRef ds:uri="http://purl.org/dc/terms/"/>
-    <ds:schemaRef ds:uri="http://purl.org/dc/elements/1.1/"/>
-    <ds:schemaRef ds:uri="http://schemas.openxmlformats.org/package/2006/metadata/core-properties"/>
-    <ds:schemaRef ds:uri="http://schemas.microsoft.com/office/2006/metadata/properties"/>
-    <ds:schemaRef ds:uri="http://schemas.microsoft.com/office/2006/documentManagement/types"/>
-    <ds:schemaRef ds:uri="http://purl.org/dc/dcmitype/"/>
-    <ds:schemaRef ds:uri="http://schemas.microsoft.com/office/infopath/2007/PartnerControls"/>
-    <ds:schemaRef ds:uri="281057cd-4f7e-4aa3-94a7-05201549cd15"/>
-  </ds:schemaRefs>
-</ds:datastoreItem>
-</file>
-
-<file path=customXml/itemProps3.xml><?xml version="1.0" encoding="utf-8"?>
 <ds:datastoreItem xmlns:ds="http://schemas.openxmlformats.org/officeDocument/2006/customXml" ds:itemID="{34D96EB5-5D0B-4E9E-8068-E6D7C70133E7}">
   <ds:schemaRefs>
     <ds:schemaRef ds:uri="http://schemas.microsoft.com/office/2006/metadata/contentType"/>
@@ -14344,4 +14415,21 @@
     <ds:schemaRef ds:uri="http://schemas.microsoft.com/internal/obd"/>
   </ds:schemaRefs>
 </ds:datastoreItem>
+</file>
+
+<file path=customXml/itemProps3.xml><?xml version="1.0" encoding="utf-8"?>
+<ds:datastoreItem xmlns:ds="http://schemas.openxmlformats.org/officeDocument/2006/customXml" ds:itemID="{10FC3CAF-E6F1-40E3-87D4-6B781C97D6B4}">
+  <ds:schemaRefs>
+    <ds:schemaRef ds:uri="01e63850-2818-4a9f-a0cd-2d4201ad5cd5"/>
+    <ds:schemaRef ds:uri="http://www.w3.org/XML/1998/namespace"/>
+    <ds:schemaRef ds:uri="http://purl.org/dc/terms/"/>
+    <ds:schemaRef ds:uri="http://purl.org/dc/elements/1.1/"/>
+    <ds:schemaRef ds:uri="http://schemas.openxmlformats.org/package/2006/metadata/core-properties"/>
+    <ds:schemaRef ds:uri="http://schemas.microsoft.com/office/2006/metadata/properties"/>
+    <ds:schemaRef ds:uri="http://schemas.microsoft.com/office/2006/documentManagement/types"/>
+    <ds:schemaRef ds:uri="http://purl.org/dc/dcmitype/"/>
+    <ds:schemaRef ds:uri="http://schemas.microsoft.com/office/infopath/2007/PartnerControls"/>
+    <ds:schemaRef ds:uri="281057cd-4f7e-4aa3-94a7-05201549cd15"/>
+  </ds:schemaRefs>
+</ds:datastoreItem>
 </file>